--- a/auturbo_2019_spring/auturbo_2019_spring_week1/auturbo_2019_spring_week1_dev_settings.pptx
+++ b/auturbo_2019_spring/auturbo_2019_spring_week1/auturbo_2019_spring_week1_dev_settings.pptx
@@ -56,7 +56,7 @@
       </p:grpSpPr>
       <p:sp>
         <p:nvSpPr>
-          <p:cNvPr id="26" name="PlaceHolder 1"/>
+          <p:cNvPr id="23" name="PlaceHolder 1"/>
           <p:cNvSpPr>
             <a:spLocks noGrp="1"/>
           </p:cNvSpPr>
@@ -67,7 +67,7 @@
         <p:spPr>
           <a:xfrm>
             <a:off x="1523880" y="1122480"/>
-            <a:ext cx="9143640" cy="2387160"/>
+            <a:ext cx="9143280" cy="2386800"/>
           </a:xfrm>
           <a:prstGeom prst="rect">
             <a:avLst/>
@@ -76,18 +76,16 @@
         <p:txBody>
           <a:bodyPr lIns="0" rIns="0" tIns="0" bIns="0" anchor="ctr"/>
           <a:p>
-            <a:endParaRPr b="0" lang="ko-KR" sz="1800" spc="-1" strike="noStrike">
-              <a:solidFill>
-                <a:srgbClr val="000000"/>
-              </a:solidFill>
-              <a:latin typeface="맑은 고딕"/>
-            </a:endParaRPr>
-          </a:p>
-        </p:txBody>
-      </p:sp>
-      <p:sp>
-        <p:nvSpPr>
-          <p:cNvPr id="27" name="PlaceHolder 2"/>
+            <a:pPr algn="ctr"/>
+            <a:endParaRPr b="0" lang="en-US" sz="4400" spc="-1" strike="noStrike">
+              <a:latin typeface="Arial"/>
+            </a:endParaRPr>
+          </a:p>
+        </p:txBody>
+      </p:sp>
+      <p:sp>
+        <p:nvSpPr>
+          <p:cNvPr id="24" name="PlaceHolder 2"/>
           <p:cNvSpPr>
             <a:spLocks noGrp="1"/>
           </p:cNvSpPr>
@@ -109,18 +107,15 @@
             <a:normAutofit/>
           </a:bodyPr>
           <a:p>
-            <a:endParaRPr b="0" lang="ko-KR" sz="2800" spc="-1" strike="noStrike">
-              <a:solidFill>
-                <a:srgbClr val="000000"/>
-              </a:solidFill>
-              <a:latin typeface="맑은 고딕"/>
-            </a:endParaRPr>
-          </a:p>
-        </p:txBody>
-      </p:sp>
-      <p:sp>
-        <p:nvSpPr>
-          <p:cNvPr id="28" name="PlaceHolder 3"/>
+            <a:endParaRPr b="0" lang="en-US" sz="3200" spc="-1" strike="noStrike">
+              <a:latin typeface="Arial"/>
+            </a:endParaRPr>
+          </a:p>
+        </p:txBody>
+      </p:sp>
+      <p:sp>
+        <p:nvSpPr>
+          <p:cNvPr id="25" name="PlaceHolder 3"/>
           <p:cNvSpPr>
             <a:spLocks noGrp="1"/>
           </p:cNvSpPr>
@@ -142,11 +137,8 @@
             <a:normAutofit/>
           </a:bodyPr>
           <a:p>
-            <a:endParaRPr b="0" lang="ko-KR" sz="2800" spc="-1" strike="noStrike">
-              <a:solidFill>
-                <a:srgbClr val="000000"/>
-              </a:solidFill>
-              <a:latin typeface="맑은 고딕"/>
+            <a:endParaRPr b="0" lang="en-US" sz="3200" spc="-1" strike="noStrike">
+              <a:latin typeface="Arial"/>
             </a:endParaRPr>
           </a:p>
         </p:txBody>
@@ -175,7 +167,7 @@
       </p:grpSpPr>
       <p:sp>
         <p:nvSpPr>
-          <p:cNvPr id="29" name="PlaceHolder 1"/>
+          <p:cNvPr id="26" name="PlaceHolder 1"/>
           <p:cNvSpPr>
             <a:spLocks noGrp="1"/>
           </p:cNvSpPr>
@@ -186,7 +178,7 @@
         <p:spPr>
           <a:xfrm>
             <a:off x="1523880" y="1122480"/>
-            <a:ext cx="9143640" cy="2387160"/>
+            <a:ext cx="9143280" cy="2386800"/>
           </a:xfrm>
           <a:prstGeom prst="rect">
             <a:avLst/>
@@ -195,18 +187,16 @@
         <p:txBody>
           <a:bodyPr lIns="0" rIns="0" tIns="0" bIns="0" anchor="ctr"/>
           <a:p>
-            <a:endParaRPr b="0" lang="ko-KR" sz="1800" spc="-1" strike="noStrike">
-              <a:solidFill>
-                <a:srgbClr val="000000"/>
-              </a:solidFill>
-              <a:latin typeface="맑은 고딕"/>
-            </a:endParaRPr>
-          </a:p>
-        </p:txBody>
-      </p:sp>
-      <p:sp>
-        <p:nvSpPr>
-          <p:cNvPr id="30" name="PlaceHolder 2"/>
+            <a:pPr algn="ctr"/>
+            <a:endParaRPr b="0" lang="en-US" sz="4400" spc="-1" strike="noStrike">
+              <a:latin typeface="Arial"/>
+            </a:endParaRPr>
+          </a:p>
+        </p:txBody>
+      </p:sp>
+      <p:sp>
+        <p:nvSpPr>
+          <p:cNvPr id="27" name="PlaceHolder 2"/>
           <p:cNvSpPr>
             <a:spLocks noGrp="1"/>
           </p:cNvSpPr>
@@ -228,18 +218,15 @@
             <a:normAutofit/>
           </a:bodyPr>
           <a:p>
-            <a:endParaRPr b="0" lang="ko-KR" sz="2800" spc="-1" strike="noStrike">
-              <a:solidFill>
-                <a:srgbClr val="000000"/>
-              </a:solidFill>
-              <a:latin typeface="맑은 고딕"/>
-            </a:endParaRPr>
-          </a:p>
-        </p:txBody>
-      </p:sp>
-      <p:sp>
-        <p:nvSpPr>
-          <p:cNvPr id="31" name="PlaceHolder 3"/>
+            <a:endParaRPr b="0" lang="en-US" sz="3200" spc="-1" strike="noStrike">
+              <a:latin typeface="Arial"/>
+            </a:endParaRPr>
+          </a:p>
+        </p:txBody>
+      </p:sp>
+      <p:sp>
+        <p:nvSpPr>
+          <p:cNvPr id="28" name="PlaceHolder 3"/>
           <p:cNvSpPr>
             <a:spLocks noGrp="1"/>
           </p:cNvSpPr>
@@ -261,18 +248,15 @@
             <a:normAutofit/>
           </a:bodyPr>
           <a:p>
-            <a:endParaRPr b="0" lang="ko-KR" sz="2800" spc="-1" strike="noStrike">
-              <a:solidFill>
-                <a:srgbClr val="000000"/>
-              </a:solidFill>
-              <a:latin typeface="맑은 고딕"/>
-            </a:endParaRPr>
-          </a:p>
-        </p:txBody>
-      </p:sp>
-      <p:sp>
-        <p:nvSpPr>
-          <p:cNvPr id="32" name="PlaceHolder 4"/>
+            <a:endParaRPr b="0" lang="en-US" sz="3200" spc="-1" strike="noStrike">
+              <a:latin typeface="Arial"/>
+            </a:endParaRPr>
+          </a:p>
+        </p:txBody>
+      </p:sp>
+      <p:sp>
+        <p:nvSpPr>
+          <p:cNvPr id="29" name="PlaceHolder 4"/>
           <p:cNvSpPr>
             <a:spLocks noGrp="1"/>
           </p:cNvSpPr>
@@ -294,18 +278,15 @@
             <a:normAutofit/>
           </a:bodyPr>
           <a:p>
-            <a:endParaRPr b="0" lang="ko-KR" sz="2800" spc="-1" strike="noStrike">
-              <a:solidFill>
-                <a:srgbClr val="000000"/>
-              </a:solidFill>
-              <a:latin typeface="맑은 고딕"/>
-            </a:endParaRPr>
-          </a:p>
-        </p:txBody>
-      </p:sp>
-      <p:sp>
-        <p:nvSpPr>
-          <p:cNvPr id="33" name="PlaceHolder 5"/>
+            <a:endParaRPr b="0" lang="en-US" sz="3200" spc="-1" strike="noStrike">
+              <a:latin typeface="Arial"/>
+            </a:endParaRPr>
+          </a:p>
+        </p:txBody>
+      </p:sp>
+      <p:sp>
+        <p:nvSpPr>
+          <p:cNvPr id="30" name="PlaceHolder 5"/>
           <p:cNvSpPr>
             <a:spLocks noGrp="1"/>
           </p:cNvSpPr>
@@ -327,11 +308,8 @@
             <a:normAutofit/>
           </a:bodyPr>
           <a:p>
-            <a:endParaRPr b="0" lang="ko-KR" sz="2800" spc="-1" strike="noStrike">
-              <a:solidFill>
-                <a:srgbClr val="000000"/>
-              </a:solidFill>
-              <a:latin typeface="맑은 고딕"/>
+            <a:endParaRPr b="0" lang="en-US" sz="3200" spc="-1" strike="noStrike">
+              <a:latin typeface="Arial"/>
             </a:endParaRPr>
           </a:p>
         </p:txBody>
@@ -360,7 +338,7 @@
       </p:grpSpPr>
       <p:sp>
         <p:nvSpPr>
-          <p:cNvPr id="34" name="PlaceHolder 1"/>
+          <p:cNvPr id="31" name="PlaceHolder 1"/>
           <p:cNvSpPr>
             <a:spLocks noGrp="1"/>
           </p:cNvSpPr>
@@ -371,7 +349,7 @@
         <p:spPr>
           <a:xfrm>
             <a:off x="1523880" y="1122480"/>
-            <a:ext cx="9143640" cy="2387160"/>
+            <a:ext cx="9143280" cy="2386800"/>
           </a:xfrm>
           <a:prstGeom prst="rect">
             <a:avLst/>
@@ -380,18 +358,16 @@
         <p:txBody>
           <a:bodyPr lIns="0" rIns="0" tIns="0" bIns="0" anchor="ctr"/>
           <a:p>
-            <a:endParaRPr b="0" lang="ko-KR" sz="1800" spc="-1" strike="noStrike">
-              <a:solidFill>
-                <a:srgbClr val="000000"/>
-              </a:solidFill>
-              <a:latin typeface="맑은 고딕"/>
-            </a:endParaRPr>
-          </a:p>
-        </p:txBody>
-      </p:sp>
-      <p:sp>
-        <p:nvSpPr>
-          <p:cNvPr id="35" name="PlaceHolder 2"/>
+            <a:pPr algn="ctr"/>
+            <a:endParaRPr b="0" lang="en-US" sz="4400" spc="-1" strike="noStrike">
+              <a:latin typeface="Arial"/>
+            </a:endParaRPr>
+          </a:p>
+        </p:txBody>
+      </p:sp>
+      <p:sp>
+        <p:nvSpPr>
+          <p:cNvPr id="32" name="PlaceHolder 2"/>
           <p:cNvSpPr>
             <a:spLocks noGrp="1"/>
           </p:cNvSpPr>
@@ -413,18 +389,15 @@
             <a:normAutofit/>
           </a:bodyPr>
           <a:p>
-            <a:endParaRPr b="0" lang="ko-KR" sz="2800" spc="-1" strike="noStrike">
-              <a:solidFill>
-                <a:srgbClr val="000000"/>
-              </a:solidFill>
-              <a:latin typeface="맑은 고딕"/>
-            </a:endParaRPr>
-          </a:p>
-        </p:txBody>
-      </p:sp>
-      <p:sp>
-        <p:nvSpPr>
-          <p:cNvPr id="36" name="PlaceHolder 3"/>
+            <a:endParaRPr b="0" lang="en-US" sz="3200" spc="-1" strike="noStrike">
+              <a:latin typeface="Arial"/>
+            </a:endParaRPr>
+          </a:p>
+        </p:txBody>
+      </p:sp>
+      <p:sp>
+        <p:nvSpPr>
+          <p:cNvPr id="33" name="PlaceHolder 3"/>
           <p:cNvSpPr>
             <a:spLocks noGrp="1"/>
           </p:cNvSpPr>
@@ -446,18 +419,15 @@
             <a:normAutofit/>
           </a:bodyPr>
           <a:p>
-            <a:endParaRPr b="0" lang="ko-KR" sz="2800" spc="-1" strike="noStrike">
-              <a:solidFill>
-                <a:srgbClr val="000000"/>
-              </a:solidFill>
-              <a:latin typeface="맑은 고딕"/>
-            </a:endParaRPr>
-          </a:p>
-        </p:txBody>
-      </p:sp>
-      <p:sp>
-        <p:nvSpPr>
-          <p:cNvPr id="37" name="PlaceHolder 4"/>
+            <a:endParaRPr b="0" lang="en-US" sz="3200" spc="-1" strike="noStrike">
+              <a:latin typeface="Arial"/>
+            </a:endParaRPr>
+          </a:p>
+        </p:txBody>
+      </p:sp>
+      <p:sp>
+        <p:nvSpPr>
+          <p:cNvPr id="34" name="PlaceHolder 4"/>
           <p:cNvSpPr>
             <a:spLocks noGrp="1"/>
           </p:cNvSpPr>
@@ -479,18 +449,15 @@
             <a:normAutofit/>
           </a:bodyPr>
           <a:p>
-            <a:endParaRPr b="0" lang="ko-KR" sz="2800" spc="-1" strike="noStrike">
-              <a:solidFill>
-                <a:srgbClr val="000000"/>
-              </a:solidFill>
-              <a:latin typeface="맑은 고딕"/>
-            </a:endParaRPr>
-          </a:p>
-        </p:txBody>
-      </p:sp>
-      <p:sp>
-        <p:nvSpPr>
-          <p:cNvPr id="38" name="PlaceHolder 5"/>
+            <a:endParaRPr b="0" lang="en-US" sz="3200" spc="-1" strike="noStrike">
+              <a:latin typeface="Arial"/>
+            </a:endParaRPr>
+          </a:p>
+        </p:txBody>
+      </p:sp>
+      <p:sp>
+        <p:nvSpPr>
+          <p:cNvPr id="35" name="PlaceHolder 5"/>
           <p:cNvSpPr>
             <a:spLocks noGrp="1"/>
           </p:cNvSpPr>
@@ -512,18 +479,15 @@
             <a:normAutofit/>
           </a:bodyPr>
           <a:p>
-            <a:endParaRPr b="0" lang="ko-KR" sz="2800" spc="-1" strike="noStrike">
-              <a:solidFill>
-                <a:srgbClr val="000000"/>
-              </a:solidFill>
-              <a:latin typeface="맑은 고딕"/>
-            </a:endParaRPr>
-          </a:p>
-        </p:txBody>
-      </p:sp>
-      <p:sp>
-        <p:nvSpPr>
-          <p:cNvPr id="39" name="PlaceHolder 6"/>
+            <a:endParaRPr b="0" lang="en-US" sz="3200" spc="-1" strike="noStrike">
+              <a:latin typeface="Arial"/>
+            </a:endParaRPr>
+          </a:p>
+        </p:txBody>
+      </p:sp>
+      <p:sp>
+        <p:nvSpPr>
+          <p:cNvPr id="36" name="PlaceHolder 6"/>
           <p:cNvSpPr>
             <a:spLocks noGrp="1"/>
           </p:cNvSpPr>
@@ -545,18 +509,15 @@
             <a:normAutofit/>
           </a:bodyPr>
           <a:p>
-            <a:endParaRPr b="0" lang="ko-KR" sz="2800" spc="-1" strike="noStrike">
-              <a:solidFill>
-                <a:srgbClr val="000000"/>
-              </a:solidFill>
-              <a:latin typeface="맑은 고딕"/>
-            </a:endParaRPr>
-          </a:p>
-        </p:txBody>
-      </p:sp>
-      <p:sp>
-        <p:nvSpPr>
-          <p:cNvPr id="40" name="PlaceHolder 7"/>
+            <a:endParaRPr b="0" lang="en-US" sz="3200" spc="-1" strike="noStrike">
+              <a:latin typeface="Arial"/>
+            </a:endParaRPr>
+          </a:p>
+        </p:txBody>
+      </p:sp>
+      <p:sp>
+        <p:nvSpPr>
+          <p:cNvPr id="37" name="PlaceHolder 7"/>
           <p:cNvSpPr>
             <a:spLocks noGrp="1"/>
           </p:cNvSpPr>
@@ -578,11 +539,8 @@
             <a:normAutofit/>
           </a:bodyPr>
           <a:p>
-            <a:endParaRPr b="0" lang="ko-KR" sz="2800" spc="-1" strike="noStrike">
-              <a:solidFill>
-                <a:srgbClr val="000000"/>
-              </a:solidFill>
-              <a:latin typeface="맑은 고딕"/>
+            <a:endParaRPr b="0" lang="en-US" sz="3200" spc="-1" strike="noStrike">
+              <a:latin typeface="Arial"/>
             </a:endParaRPr>
           </a:p>
         </p:txBody>
@@ -611,7 +569,7 @@
       </p:grpSpPr>
       <p:sp>
         <p:nvSpPr>
-          <p:cNvPr id="5" name="PlaceHolder 1"/>
+          <p:cNvPr id="2" name="PlaceHolder 1"/>
           <p:cNvSpPr>
             <a:spLocks noGrp="1"/>
           </p:cNvSpPr>
@@ -622,7 +580,7 @@
         <p:spPr>
           <a:xfrm>
             <a:off x="1523880" y="1122480"/>
-            <a:ext cx="9143640" cy="2387160"/>
+            <a:ext cx="9143280" cy="2386800"/>
           </a:xfrm>
           <a:prstGeom prst="rect">
             <a:avLst/>
@@ -631,18 +589,16 @@
         <p:txBody>
           <a:bodyPr lIns="0" rIns="0" tIns="0" bIns="0" anchor="ctr"/>
           <a:p>
-            <a:endParaRPr b="0" lang="ko-KR" sz="1800" spc="-1" strike="noStrike">
-              <a:solidFill>
-                <a:srgbClr val="000000"/>
-              </a:solidFill>
-              <a:latin typeface="맑은 고딕"/>
-            </a:endParaRPr>
-          </a:p>
-        </p:txBody>
-      </p:sp>
-      <p:sp>
-        <p:nvSpPr>
-          <p:cNvPr id="6" name="PlaceHolder 2"/>
+            <a:pPr algn="ctr"/>
+            <a:endParaRPr b="0" lang="en-US" sz="4400" spc="-1" strike="noStrike">
+              <a:latin typeface="Arial"/>
+            </a:endParaRPr>
+          </a:p>
+        </p:txBody>
+      </p:sp>
+      <p:sp>
+        <p:nvSpPr>
+          <p:cNvPr id="3" name="PlaceHolder 2"/>
           <p:cNvSpPr>
             <a:spLocks noGrp="1"/>
           </p:cNvSpPr>
@@ -693,7 +649,7 @@
       </p:grpSpPr>
       <p:sp>
         <p:nvSpPr>
-          <p:cNvPr id="7" name="PlaceHolder 1"/>
+          <p:cNvPr id="4" name="PlaceHolder 1"/>
           <p:cNvSpPr>
             <a:spLocks noGrp="1"/>
           </p:cNvSpPr>
@@ -704,7 +660,7 @@
         <p:spPr>
           <a:xfrm>
             <a:off x="1523880" y="1122480"/>
-            <a:ext cx="9143640" cy="2387160"/>
+            <a:ext cx="9143280" cy="2386800"/>
           </a:xfrm>
           <a:prstGeom prst="rect">
             <a:avLst/>
@@ -713,18 +669,16 @@
         <p:txBody>
           <a:bodyPr lIns="0" rIns="0" tIns="0" bIns="0" anchor="ctr"/>
           <a:p>
-            <a:endParaRPr b="0" lang="ko-KR" sz="1800" spc="-1" strike="noStrike">
-              <a:solidFill>
-                <a:srgbClr val="000000"/>
-              </a:solidFill>
-              <a:latin typeface="맑은 고딕"/>
-            </a:endParaRPr>
-          </a:p>
-        </p:txBody>
-      </p:sp>
-      <p:sp>
-        <p:nvSpPr>
-          <p:cNvPr id="8" name="PlaceHolder 2"/>
+            <a:pPr algn="ctr"/>
+            <a:endParaRPr b="0" lang="en-US" sz="4400" spc="-1" strike="noStrike">
+              <a:latin typeface="Arial"/>
+            </a:endParaRPr>
+          </a:p>
+        </p:txBody>
+      </p:sp>
+      <p:sp>
+        <p:nvSpPr>
+          <p:cNvPr id="5" name="PlaceHolder 2"/>
           <p:cNvSpPr>
             <a:spLocks noGrp="1"/>
           </p:cNvSpPr>
@@ -746,11 +700,8 @@
             <a:normAutofit/>
           </a:bodyPr>
           <a:p>
-            <a:endParaRPr b="0" lang="ko-KR" sz="2800" spc="-1" strike="noStrike">
-              <a:solidFill>
-                <a:srgbClr val="000000"/>
-              </a:solidFill>
-              <a:latin typeface="맑은 고딕"/>
+            <a:endParaRPr b="0" lang="en-US" sz="3200" spc="-1" strike="noStrike">
+              <a:latin typeface="Arial"/>
             </a:endParaRPr>
           </a:p>
         </p:txBody>
@@ -779,7 +730,7 @@
       </p:grpSpPr>
       <p:sp>
         <p:nvSpPr>
-          <p:cNvPr id="9" name="PlaceHolder 1"/>
+          <p:cNvPr id="6" name="PlaceHolder 1"/>
           <p:cNvSpPr>
             <a:spLocks noGrp="1"/>
           </p:cNvSpPr>
@@ -790,7 +741,7 @@
         <p:spPr>
           <a:xfrm>
             <a:off x="1523880" y="1122480"/>
-            <a:ext cx="9143640" cy="2387160"/>
+            <a:ext cx="9143280" cy="2386800"/>
           </a:xfrm>
           <a:prstGeom prst="rect">
             <a:avLst/>
@@ -799,18 +750,16 @@
         <p:txBody>
           <a:bodyPr lIns="0" rIns="0" tIns="0" bIns="0" anchor="ctr"/>
           <a:p>
-            <a:endParaRPr b="0" lang="ko-KR" sz="1800" spc="-1" strike="noStrike">
-              <a:solidFill>
-                <a:srgbClr val="000000"/>
-              </a:solidFill>
-              <a:latin typeface="맑은 고딕"/>
-            </a:endParaRPr>
-          </a:p>
-        </p:txBody>
-      </p:sp>
-      <p:sp>
-        <p:nvSpPr>
-          <p:cNvPr id="10" name="PlaceHolder 2"/>
+            <a:pPr algn="ctr"/>
+            <a:endParaRPr b="0" lang="en-US" sz="4400" spc="-1" strike="noStrike">
+              <a:latin typeface="Arial"/>
+            </a:endParaRPr>
+          </a:p>
+        </p:txBody>
+      </p:sp>
+      <p:sp>
+        <p:nvSpPr>
+          <p:cNvPr id="7" name="PlaceHolder 2"/>
           <p:cNvSpPr>
             <a:spLocks noGrp="1"/>
           </p:cNvSpPr>
@@ -832,18 +781,15 @@
             <a:normAutofit/>
           </a:bodyPr>
           <a:p>
-            <a:endParaRPr b="0" lang="ko-KR" sz="2800" spc="-1" strike="noStrike">
-              <a:solidFill>
-                <a:srgbClr val="000000"/>
-              </a:solidFill>
-              <a:latin typeface="맑은 고딕"/>
-            </a:endParaRPr>
-          </a:p>
-        </p:txBody>
-      </p:sp>
-      <p:sp>
-        <p:nvSpPr>
-          <p:cNvPr id="11" name="PlaceHolder 3"/>
+            <a:endParaRPr b="0" lang="en-US" sz="3200" spc="-1" strike="noStrike">
+              <a:latin typeface="Arial"/>
+            </a:endParaRPr>
+          </a:p>
+        </p:txBody>
+      </p:sp>
+      <p:sp>
+        <p:nvSpPr>
+          <p:cNvPr id="8" name="PlaceHolder 3"/>
           <p:cNvSpPr>
             <a:spLocks noGrp="1"/>
           </p:cNvSpPr>
@@ -865,11 +811,8 @@
             <a:normAutofit/>
           </a:bodyPr>
           <a:p>
-            <a:endParaRPr b="0" lang="ko-KR" sz="2800" spc="-1" strike="noStrike">
-              <a:solidFill>
-                <a:srgbClr val="000000"/>
-              </a:solidFill>
-              <a:latin typeface="맑은 고딕"/>
+            <a:endParaRPr b="0" lang="en-US" sz="3200" spc="-1" strike="noStrike">
+              <a:latin typeface="Arial"/>
             </a:endParaRPr>
           </a:p>
         </p:txBody>
@@ -898,7 +841,7 @@
       </p:grpSpPr>
       <p:sp>
         <p:nvSpPr>
-          <p:cNvPr id="12" name="PlaceHolder 1"/>
+          <p:cNvPr id="9" name="PlaceHolder 1"/>
           <p:cNvSpPr>
             <a:spLocks noGrp="1"/>
           </p:cNvSpPr>
@@ -909,7 +852,7 @@
         <p:spPr>
           <a:xfrm>
             <a:off x="1523880" y="1122480"/>
-            <a:ext cx="9143640" cy="2387160"/>
+            <a:ext cx="9143280" cy="2386800"/>
           </a:xfrm>
           <a:prstGeom prst="rect">
             <a:avLst/>
@@ -918,11 +861,9 @@
         <p:txBody>
           <a:bodyPr lIns="0" rIns="0" tIns="0" bIns="0" anchor="ctr"/>
           <a:p>
-            <a:endParaRPr b="0" lang="ko-KR" sz="1800" spc="-1" strike="noStrike">
-              <a:solidFill>
-                <a:srgbClr val="000000"/>
-              </a:solidFill>
-              <a:latin typeface="맑은 고딕"/>
+            <a:pPr algn="ctr"/>
+            <a:endParaRPr b="0" lang="en-US" sz="4400" spc="-1" strike="noStrike">
+              <a:latin typeface="Arial"/>
             </a:endParaRPr>
           </a:p>
         </p:txBody>
@@ -951,7 +892,7 @@
       </p:grpSpPr>
       <p:sp>
         <p:nvSpPr>
-          <p:cNvPr id="13" name="PlaceHolder 1"/>
+          <p:cNvPr id="10" name="PlaceHolder 1"/>
           <p:cNvSpPr>
             <a:spLocks noGrp="1"/>
           </p:cNvSpPr>
@@ -962,7 +903,7 @@
         <p:spPr>
           <a:xfrm>
             <a:off x="1523880" y="1122480"/>
-            <a:ext cx="9143640" cy="11066760"/>
+            <a:ext cx="9143280" cy="11064960"/>
           </a:xfrm>
           <a:prstGeom prst="rect">
             <a:avLst/>
@@ -1002,7 +943,7 @@
       </p:grpSpPr>
       <p:sp>
         <p:nvSpPr>
-          <p:cNvPr id="14" name="PlaceHolder 1"/>
+          <p:cNvPr id="11" name="PlaceHolder 1"/>
           <p:cNvSpPr>
             <a:spLocks noGrp="1"/>
           </p:cNvSpPr>
@@ -1013,7 +954,7 @@
         <p:spPr>
           <a:xfrm>
             <a:off x="1523880" y="1122480"/>
-            <a:ext cx="9143640" cy="2387160"/>
+            <a:ext cx="9143280" cy="2386800"/>
           </a:xfrm>
           <a:prstGeom prst="rect">
             <a:avLst/>
@@ -1022,18 +963,16 @@
         <p:txBody>
           <a:bodyPr lIns="0" rIns="0" tIns="0" bIns="0" anchor="ctr"/>
           <a:p>
-            <a:endParaRPr b="0" lang="ko-KR" sz="1800" spc="-1" strike="noStrike">
-              <a:solidFill>
-                <a:srgbClr val="000000"/>
-              </a:solidFill>
-              <a:latin typeface="맑은 고딕"/>
-            </a:endParaRPr>
-          </a:p>
-        </p:txBody>
-      </p:sp>
-      <p:sp>
-        <p:nvSpPr>
-          <p:cNvPr id="15" name="PlaceHolder 2"/>
+            <a:pPr algn="ctr"/>
+            <a:endParaRPr b="0" lang="en-US" sz="4400" spc="-1" strike="noStrike">
+              <a:latin typeface="Arial"/>
+            </a:endParaRPr>
+          </a:p>
+        </p:txBody>
+      </p:sp>
+      <p:sp>
+        <p:nvSpPr>
+          <p:cNvPr id="12" name="PlaceHolder 2"/>
           <p:cNvSpPr>
             <a:spLocks noGrp="1"/>
           </p:cNvSpPr>
@@ -1055,18 +994,15 @@
             <a:normAutofit/>
           </a:bodyPr>
           <a:p>
-            <a:endParaRPr b="0" lang="ko-KR" sz="2800" spc="-1" strike="noStrike">
-              <a:solidFill>
-                <a:srgbClr val="000000"/>
-              </a:solidFill>
-              <a:latin typeface="맑은 고딕"/>
-            </a:endParaRPr>
-          </a:p>
-        </p:txBody>
-      </p:sp>
-      <p:sp>
-        <p:nvSpPr>
-          <p:cNvPr id="16" name="PlaceHolder 3"/>
+            <a:endParaRPr b="0" lang="en-US" sz="3200" spc="-1" strike="noStrike">
+              <a:latin typeface="Arial"/>
+            </a:endParaRPr>
+          </a:p>
+        </p:txBody>
+      </p:sp>
+      <p:sp>
+        <p:nvSpPr>
+          <p:cNvPr id="13" name="PlaceHolder 3"/>
           <p:cNvSpPr>
             <a:spLocks noGrp="1"/>
           </p:cNvSpPr>
@@ -1088,18 +1024,15 @@
             <a:normAutofit/>
           </a:bodyPr>
           <a:p>
-            <a:endParaRPr b="0" lang="ko-KR" sz="2800" spc="-1" strike="noStrike">
-              <a:solidFill>
-                <a:srgbClr val="000000"/>
-              </a:solidFill>
-              <a:latin typeface="맑은 고딕"/>
-            </a:endParaRPr>
-          </a:p>
-        </p:txBody>
-      </p:sp>
-      <p:sp>
-        <p:nvSpPr>
-          <p:cNvPr id="17" name="PlaceHolder 4"/>
+            <a:endParaRPr b="0" lang="en-US" sz="3200" spc="-1" strike="noStrike">
+              <a:latin typeface="Arial"/>
+            </a:endParaRPr>
+          </a:p>
+        </p:txBody>
+      </p:sp>
+      <p:sp>
+        <p:nvSpPr>
+          <p:cNvPr id="14" name="PlaceHolder 4"/>
           <p:cNvSpPr>
             <a:spLocks noGrp="1"/>
           </p:cNvSpPr>
@@ -1121,11 +1054,8 @@
             <a:normAutofit/>
           </a:bodyPr>
           <a:p>
-            <a:endParaRPr b="0" lang="ko-KR" sz="2800" spc="-1" strike="noStrike">
-              <a:solidFill>
-                <a:srgbClr val="000000"/>
-              </a:solidFill>
-              <a:latin typeface="맑은 고딕"/>
+            <a:endParaRPr b="0" lang="en-US" sz="3200" spc="-1" strike="noStrike">
+              <a:latin typeface="Arial"/>
             </a:endParaRPr>
           </a:p>
         </p:txBody>
@@ -1154,7 +1084,7 @@
       </p:grpSpPr>
       <p:sp>
         <p:nvSpPr>
-          <p:cNvPr id="18" name="PlaceHolder 1"/>
+          <p:cNvPr id="15" name="PlaceHolder 1"/>
           <p:cNvSpPr>
             <a:spLocks noGrp="1"/>
           </p:cNvSpPr>
@@ -1165,7 +1095,7 @@
         <p:spPr>
           <a:xfrm>
             <a:off x="1523880" y="1122480"/>
-            <a:ext cx="9143640" cy="2387160"/>
+            <a:ext cx="9143280" cy="2386800"/>
           </a:xfrm>
           <a:prstGeom prst="rect">
             <a:avLst/>
@@ -1174,18 +1104,16 @@
         <p:txBody>
           <a:bodyPr lIns="0" rIns="0" tIns="0" bIns="0" anchor="ctr"/>
           <a:p>
-            <a:endParaRPr b="0" lang="ko-KR" sz="1800" spc="-1" strike="noStrike">
-              <a:solidFill>
-                <a:srgbClr val="000000"/>
-              </a:solidFill>
-              <a:latin typeface="맑은 고딕"/>
-            </a:endParaRPr>
-          </a:p>
-        </p:txBody>
-      </p:sp>
-      <p:sp>
-        <p:nvSpPr>
-          <p:cNvPr id="19" name="PlaceHolder 2"/>
+            <a:pPr algn="ctr"/>
+            <a:endParaRPr b="0" lang="en-US" sz="4400" spc="-1" strike="noStrike">
+              <a:latin typeface="Arial"/>
+            </a:endParaRPr>
+          </a:p>
+        </p:txBody>
+      </p:sp>
+      <p:sp>
+        <p:nvSpPr>
+          <p:cNvPr id="16" name="PlaceHolder 2"/>
           <p:cNvSpPr>
             <a:spLocks noGrp="1"/>
           </p:cNvSpPr>
@@ -1207,18 +1135,15 @@
             <a:normAutofit/>
           </a:bodyPr>
           <a:p>
-            <a:endParaRPr b="0" lang="ko-KR" sz="2800" spc="-1" strike="noStrike">
-              <a:solidFill>
-                <a:srgbClr val="000000"/>
-              </a:solidFill>
-              <a:latin typeface="맑은 고딕"/>
-            </a:endParaRPr>
-          </a:p>
-        </p:txBody>
-      </p:sp>
-      <p:sp>
-        <p:nvSpPr>
-          <p:cNvPr id="20" name="PlaceHolder 3"/>
+            <a:endParaRPr b="0" lang="en-US" sz="3200" spc="-1" strike="noStrike">
+              <a:latin typeface="Arial"/>
+            </a:endParaRPr>
+          </a:p>
+        </p:txBody>
+      </p:sp>
+      <p:sp>
+        <p:nvSpPr>
+          <p:cNvPr id="17" name="PlaceHolder 3"/>
           <p:cNvSpPr>
             <a:spLocks noGrp="1"/>
           </p:cNvSpPr>
@@ -1240,18 +1165,15 @@
             <a:normAutofit/>
           </a:bodyPr>
           <a:p>
-            <a:endParaRPr b="0" lang="ko-KR" sz="2800" spc="-1" strike="noStrike">
-              <a:solidFill>
-                <a:srgbClr val="000000"/>
-              </a:solidFill>
-              <a:latin typeface="맑은 고딕"/>
-            </a:endParaRPr>
-          </a:p>
-        </p:txBody>
-      </p:sp>
-      <p:sp>
-        <p:nvSpPr>
-          <p:cNvPr id="21" name="PlaceHolder 4"/>
+            <a:endParaRPr b="0" lang="en-US" sz="3200" spc="-1" strike="noStrike">
+              <a:latin typeface="Arial"/>
+            </a:endParaRPr>
+          </a:p>
+        </p:txBody>
+      </p:sp>
+      <p:sp>
+        <p:nvSpPr>
+          <p:cNvPr id="18" name="PlaceHolder 4"/>
           <p:cNvSpPr>
             <a:spLocks noGrp="1"/>
           </p:cNvSpPr>
@@ -1273,11 +1195,8 @@
             <a:normAutofit/>
           </a:bodyPr>
           <a:p>
-            <a:endParaRPr b="0" lang="ko-KR" sz="2800" spc="-1" strike="noStrike">
-              <a:solidFill>
-                <a:srgbClr val="000000"/>
-              </a:solidFill>
-              <a:latin typeface="맑은 고딕"/>
+            <a:endParaRPr b="0" lang="en-US" sz="3200" spc="-1" strike="noStrike">
+              <a:latin typeface="Arial"/>
             </a:endParaRPr>
           </a:p>
         </p:txBody>
@@ -1306,7 +1225,7 @@
       </p:grpSpPr>
       <p:sp>
         <p:nvSpPr>
-          <p:cNvPr id="22" name="PlaceHolder 1"/>
+          <p:cNvPr id="19" name="PlaceHolder 1"/>
           <p:cNvSpPr>
             <a:spLocks noGrp="1"/>
           </p:cNvSpPr>
@@ -1317,7 +1236,7 @@
         <p:spPr>
           <a:xfrm>
             <a:off x="1523880" y="1122480"/>
-            <a:ext cx="9143640" cy="2387160"/>
+            <a:ext cx="9143280" cy="2386800"/>
           </a:xfrm>
           <a:prstGeom prst="rect">
             <a:avLst/>
@@ -1326,18 +1245,16 @@
         <p:txBody>
           <a:bodyPr lIns="0" rIns="0" tIns="0" bIns="0" anchor="ctr"/>
           <a:p>
-            <a:endParaRPr b="0" lang="ko-KR" sz="1800" spc="-1" strike="noStrike">
-              <a:solidFill>
-                <a:srgbClr val="000000"/>
-              </a:solidFill>
-              <a:latin typeface="맑은 고딕"/>
-            </a:endParaRPr>
-          </a:p>
-        </p:txBody>
-      </p:sp>
-      <p:sp>
-        <p:nvSpPr>
-          <p:cNvPr id="23" name="PlaceHolder 2"/>
+            <a:pPr algn="ctr"/>
+            <a:endParaRPr b="0" lang="en-US" sz="4400" spc="-1" strike="noStrike">
+              <a:latin typeface="Arial"/>
+            </a:endParaRPr>
+          </a:p>
+        </p:txBody>
+      </p:sp>
+      <p:sp>
+        <p:nvSpPr>
+          <p:cNvPr id="20" name="PlaceHolder 2"/>
           <p:cNvSpPr>
             <a:spLocks noGrp="1"/>
           </p:cNvSpPr>
@@ -1359,18 +1276,15 @@
             <a:normAutofit/>
           </a:bodyPr>
           <a:p>
-            <a:endParaRPr b="0" lang="ko-KR" sz="2800" spc="-1" strike="noStrike">
-              <a:solidFill>
-                <a:srgbClr val="000000"/>
-              </a:solidFill>
-              <a:latin typeface="맑은 고딕"/>
-            </a:endParaRPr>
-          </a:p>
-        </p:txBody>
-      </p:sp>
-      <p:sp>
-        <p:nvSpPr>
-          <p:cNvPr id="24" name="PlaceHolder 3"/>
+            <a:endParaRPr b="0" lang="en-US" sz="3200" spc="-1" strike="noStrike">
+              <a:latin typeface="Arial"/>
+            </a:endParaRPr>
+          </a:p>
+        </p:txBody>
+      </p:sp>
+      <p:sp>
+        <p:nvSpPr>
+          <p:cNvPr id="21" name="PlaceHolder 3"/>
           <p:cNvSpPr>
             <a:spLocks noGrp="1"/>
           </p:cNvSpPr>
@@ -1392,18 +1306,15 @@
             <a:normAutofit/>
           </a:bodyPr>
           <a:p>
-            <a:endParaRPr b="0" lang="ko-KR" sz="2800" spc="-1" strike="noStrike">
-              <a:solidFill>
-                <a:srgbClr val="000000"/>
-              </a:solidFill>
-              <a:latin typeface="맑은 고딕"/>
-            </a:endParaRPr>
-          </a:p>
-        </p:txBody>
-      </p:sp>
-      <p:sp>
-        <p:nvSpPr>
-          <p:cNvPr id="25" name="PlaceHolder 4"/>
+            <a:endParaRPr b="0" lang="en-US" sz="3200" spc="-1" strike="noStrike">
+              <a:latin typeface="Arial"/>
+            </a:endParaRPr>
+          </a:p>
+        </p:txBody>
+      </p:sp>
+      <p:sp>
+        <p:nvSpPr>
+          <p:cNvPr id="22" name="PlaceHolder 4"/>
           <p:cNvSpPr>
             <a:spLocks noGrp="1"/>
           </p:cNvSpPr>
@@ -1425,11 +1336,8 @@
             <a:normAutofit/>
           </a:bodyPr>
           <a:p>
-            <a:endParaRPr b="0" lang="ko-KR" sz="2800" spc="-1" strike="noStrike">
-              <a:solidFill>
-                <a:srgbClr val="000000"/>
-              </a:solidFill>
-              <a:latin typeface="맑은 고딕"/>
+            <a:endParaRPr b="0" lang="en-US" sz="3200" spc="-1" strike="noStrike">
+              <a:latin typeface="Arial"/>
             </a:endParaRPr>
           </a:p>
         </p:txBody>
@@ -1476,115 +1384,23 @@
         <p:spPr>
           <a:xfrm>
             <a:off x="1523880" y="1122480"/>
-            <a:ext cx="9143640" cy="2387160"/>
-          </a:xfrm>
-          <a:prstGeom prst="rect">
-            <a:avLst/>
-          </a:prstGeom>
-        </p:spPr>
-        <p:txBody>
-          <a:bodyPr anchor="b"/>
-          <a:p>
-            <a:pPr algn="ctr">
-              <a:lnSpc>
-                <a:spcPct val="90000"/>
-              </a:lnSpc>
-            </a:pPr>
-            <a:r>
-              <a:rPr b="0" lang="ko-KR" sz="6000" spc="-1" strike="noStrike">
-                <a:solidFill>
-                  <a:srgbClr val="000000"/>
-                </a:solidFill>
-                <a:latin typeface="맑은 고딕"/>
-              </a:rPr>
-              <a:t>마</a:t>
-            </a:r>
-            <a:r>
-              <a:rPr b="0" lang="ko-KR" sz="6000" spc="-1" strike="noStrike">
-                <a:solidFill>
-                  <a:srgbClr val="000000"/>
-                </a:solidFill>
-                <a:latin typeface="맑은 고딕"/>
-              </a:rPr>
-              <a:t>스</a:t>
-            </a:r>
-            <a:r>
-              <a:rPr b="0" lang="ko-KR" sz="6000" spc="-1" strike="noStrike">
-                <a:solidFill>
-                  <a:srgbClr val="000000"/>
-                </a:solidFill>
-                <a:latin typeface="맑은 고딕"/>
-              </a:rPr>
-              <a:t>터 </a:t>
-            </a:r>
-            <a:r>
-              <a:rPr b="0" lang="ko-KR" sz="6000" spc="-1" strike="noStrike">
-                <a:solidFill>
-                  <a:srgbClr val="000000"/>
-                </a:solidFill>
-                <a:latin typeface="맑은 고딕"/>
-              </a:rPr>
-              <a:t>제</a:t>
-            </a:r>
-            <a:r>
-              <a:rPr b="0" lang="ko-KR" sz="6000" spc="-1" strike="noStrike">
-                <a:solidFill>
-                  <a:srgbClr val="000000"/>
-                </a:solidFill>
-                <a:latin typeface="맑은 고딕"/>
-              </a:rPr>
-              <a:t>목 </a:t>
-            </a:r>
-            <a:r>
-              <a:rPr b="0" lang="ko-KR" sz="6000" spc="-1" strike="noStrike">
-                <a:solidFill>
-                  <a:srgbClr val="000000"/>
-                </a:solidFill>
-                <a:latin typeface="맑은 고딕"/>
-              </a:rPr>
-              <a:t>스</a:t>
-            </a:r>
-            <a:r>
-              <a:rPr b="0" lang="ko-KR" sz="6000" spc="-1" strike="noStrike">
-                <a:solidFill>
-                  <a:srgbClr val="000000"/>
-                </a:solidFill>
-                <a:latin typeface="맑은 고딕"/>
-              </a:rPr>
-              <a:t>타</a:t>
-            </a:r>
-            <a:r>
-              <a:rPr b="0" lang="ko-KR" sz="6000" spc="-1" strike="noStrike">
-                <a:solidFill>
-                  <a:srgbClr val="000000"/>
-                </a:solidFill>
-                <a:latin typeface="맑은 고딕"/>
-              </a:rPr>
-              <a:t>일 </a:t>
-            </a:r>
-            <a:r>
-              <a:rPr b="0" lang="ko-KR" sz="6000" spc="-1" strike="noStrike">
-                <a:solidFill>
-                  <a:srgbClr val="000000"/>
-                </a:solidFill>
-                <a:latin typeface="맑은 고딕"/>
-              </a:rPr>
-              <a:t>편</a:t>
-            </a:r>
-            <a:r>
-              <a:rPr b="0" lang="ko-KR" sz="6000" spc="-1" strike="noStrike">
-                <a:solidFill>
-                  <a:srgbClr val="000000"/>
-                </a:solidFill>
-                <a:latin typeface="맑은 고딕"/>
-              </a:rPr>
-              <a:t>집</a:t>
-            </a:r>
-            <a:endParaRPr b="0" lang="ko-KR" sz="6000" spc="-1" strike="noStrike">
-              <a:solidFill>
-                <a:srgbClr val="000000"/>
-              </a:solidFill>
-              <a:latin typeface="맑은 고딕"/>
+            <a:ext cx="9143280" cy="2386800"/>
+          </a:xfrm>
+          <a:prstGeom prst="rect">
+            <a:avLst/>
+          </a:prstGeom>
+        </p:spPr>
+        <p:txBody>
+          <a:bodyPr lIns="0" rIns="0" tIns="0" bIns="0" anchor="ctr"/>
+          <a:p>
+            <a:r>
+              <a:rPr b="0" lang="en-US" sz="1800" spc="-1" strike="noStrike">
+                <a:latin typeface="Arial"/>
+              </a:rPr>
+              <a:t>Click to edit the title text format</a:t>
+            </a:r>
+            <a:endParaRPr b="0" lang="en-US" sz="1800" spc="-1" strike="noStrike">
+              <a:latin typeface="Arial"/>
             </a:endParaRPr>
           </a:p>
         </p:txBody>
@@ -1592,118 +1408,6 @@
       <p:sp>
         <p:nvSpPr>
           <p:cNvPr id="1" name="PlaceHolder 2"/>
-          <p:cNvSpPr>
-            <a:spLocks noGrp="1"/>
-          </p:cNvSpPr>
-          <p:nvPr>
-            <p:ph type="dt"/>
-          </p:nvPr>
-        </p:nvSpPr>
-        <p:spPr>
-          <a:xfrm>
-            <a:off x="838080" y="6356520"/>
-            <a:ext cx="2742840" cy="364680"/>
-          </a:xfrm>
-          <a:prstGeom prst="rect">
-            <a:avLst/>
-          </a:prstGeom>
-        </p:spPr>
-        <p:txBody>
-          <a:bodyPr anchor="ctr"/>
-          <a:p>
-            <a:pPr>
-              <a:lnSpc>
-                <a:spcPct val="100000"/>
-              </a:lnSpc>
-            </a:pPr>
-            <a:fld id="{94EFBFEB-2255-43BF-B4B0-847B7FAAD018}" type="datetime">
-              <a:rPr b="0" lang="en-US" sz="1200" spc="-1" strike="noStrike">
-                <a:solidFill>
-                  <a:srgbClr val="8b8b8b"/>
-                </a:solidFill>
-                <a:latin typeface="맑은 고딕"/>
-              </a:rPr>
-              <a:t>2/19/19</a:t>
-            </a:fld>
-            <a:endParaRPr b="0" lang="en-US" sz="1200" spc="-1" strike="noStrike">
-              <a:latin typeface="Times New Roman"/>
-            </a:endParaRPr>
-          </a:p>
-        </p:txBody>
-      </p:sp>
-      <p:sp>
-        <p:nvSpPr>
-          <p:cNvPr id="2" name="PlaceHolder 3"/>
-          <p:cNvSpPr>
-            <a:spLocks noGrp="1"/>
-          </p:cNvSpPr>
-          <p:nvPr>
-            <p:ph type="ftr"/>
-          </p:nvPr>
-        </p:nvSpPr>
-        <p:spPr>
-          <a:xfrm>
-            <a:off x="4038480" y="6356520"/>
-            <a:ext cx="4114440" cy="364680"/>
-          </a:xfrm>
-          <a:prstGeom prst="rect">
-            <a:avLst/>
-          </a:prstGeom>
-        </p:spPr>
-        <p:txBody>
-          <a:bodyPr anchor="ctr"/>
-          <a:p>
-            <a:endParaRPr b="0" lang="en-US" sz="2400" spc="-1" strike="noStrike">
-              <a:latin typeface="Times New Roman"/>
-            </a:endParaRPr>
-          </a:p>
-        </p:txBody>
-      </p:sp>
-      <p:sp>
-        <p:nvSpPr>
-          <p:cNvPr id="3" name="PlaceHolder 4"/>
-          <p:cNvSpPr>
-            <a:spLocks noGrp="1"/>
-          </p:cNvSpPr>
-          <p:nvPr>
-            <p:ph type="sldNum"/>
-          </p:nvPr>
-        </p:nvSpPr>
-        <p:spPr>
-          <a:xfrm>
-            <a:off x="8610480" y="6356520"/>
-            <a:ext cx="2742840" cy="364680"/>
-          </a:xfrm>
-          <a:prstGeom prst="rect">
-            <a:avLst/>
-          </a:prstGeom>
-        </p:spPr>
-        <p:txBody>
-          <a:bodyPr anchor="ctr"/>
-          <a:p>
-            <a:pPr algn="r">
-              <a:lnSpc>
-                <a:spcPct val="100000"/>
-              </a:lnSpc>
-            </a:pPr>
-            <a:fld id="{C53F1247-612B-40B8-8A6B-721447A7E9E0}" type="slidenum">
-              <a:rPr b="0" lang="en-US" sz="1200" spc="-1" strike="noStrike">
-                <a:solidFill>
-                  <a:srgbClr val="8b8b8b"/>
-                </a:solidFill>
-                <a:latin typeface="맑은 고딕"/>
-              </a:rPr>
-              <a:t>1</a:t>
-            </a:fld>
-            <a:endParaRPr b="0" lang="en-US" sz="1200" spc="-1" strike="noStrike">
-              <a:latin typeface="Times New Roman"/>
-            </a:endParaRPr>
-          </a:p>
-        </p:txBody>
-      </p:sp>
-      <p:sp>
-        <p:nvSpPr>
-          <p:cNvPr id="4" name="PlaceHolder 5"/>
           <p:cNvSpPr>
             <a:spLocks noGrp="1"/>
           </p:cNvSpPr>
@@ -1737,19 +1441,13 @@
               <a:buChar char=""/>
             </a:pPr>
             <a:r>
-              <a:rPr b="0" lang="ko-KR" sz="2800" spc="-1" strike="noStrike">
-                <a:solidFill>
-                  <a:srgbClr val="000000"/>
-                </a:solidFill>
-                <a:latin typeface="맑은 고딕"/>
+              <a:rPr b="0" lang="en-US" sz="3200" spc="-1" strike="noStrike">
+                <a:latin typeface="Arial"/>
               </a:rPr>
               <a:t>Click to edit the outline text format</a:t>
             </a:r>
-            <a:endParaRPr b="0" lang="ko-KR" sz="2800" spc="-1" strike="noStrike">
-              <a:solidFill>
-                <a:srgbClr val="000000"/>
-              </a:solidFill>
-              <a:latin typeface="맑은 고딕"/>
+            <a:endParaRPr b="0" lang="en-US" sz="3200" spc="-1" strike="noStrike">
+              <a:latin typeface="Arial"/>
             </a:endParaRPr>
           </a:p>
           <a:p>
@@ -1765,19 +1463,13 @@
               <a:buChar char=""/>
             </a:pPr>
             <a:r>
-              <a:rPr b="0" lang="ko-KR" sz="2000" spc="-1" strike="noStrike">
-                <a:solidFill>
-                  <a:srgbClr val="000000"/>
-                </a:solidFill>
-                <a:latin typeface="맑은 고딕"/>
+              <a:rPr b="0" lang="en-US" sz="2800" spc="-1" strike="noStrike">
+                <a:latin typeface="Arial"/>
               </a:rPr>
               <a:t>Second Outline Level</a:t>
             </a:r>
-            <a:endParaRPr b="0" lang="ko-KR" sz="2000" spc="-1" strike="noStrike">
-              <a:solidFill>
-                <a:srgbClr val="000000"/>
-              </a:solidFill>
-              <a:latin typeface="맑은 고딕"/>
+            <a:endParaRPr b="0" lang="en-US" sz="2800" spc="-1" strike="noStrike">
+              <a:latin typeface="Arial"/>
             </a:endParaRPr>
           </a:p>
           <a:p>
@@ -1793,19 +1485,13 @@
               <a:buChar char=""/>
             </a:pPr>
             <a:r>
-              <a:rPr b="0" lang="ko-KR" sz="1800" spc="-1" strike="noStrike">
-                <a:solidFill>
-                  <a:srgbClr val="000000"/>
-                </a:solidFill>
-                <a:latin typeface="맑은 고딕"/>
+              <a:rPr b="0" lang="en-US" sz="2400" spc="-1" strike="noStrike">
+                <a:latin typeface="Arial"/>
               </a:rPr>
               <a:t>Third Outline Level</a:t>
             </a:r>
-            <a:endParaRPr b="0" lang="ko-KR" sz="1800" spc="-1" strike="noStrike">
-              <a:solidFill>
-                <a:srgbClr val="000000"/>
-              </a:solidFill>
-              <a:latin typeface="맑은 고딕"/>
+            <a:endParaRPr b="0" lang="en-US" sz="2400" spc="-1" strike="noStrike">
+              <a:latin typeface="Arial"/>
             </a:endParaRPr>
           </a:p>
           <a:p>
@@ -1821,19 +1507,13 @@
               <a:buChar char=""/>
             </a:pPr>
             <a:r>
-              <a:rPr b="0" lang="ko-KR" sz="1800" spc="-1" strike="noStrike">
-                <a:solidFill>
-                  <a:srgbClr val="000000"/>
-                </a:solidFill>
-                <a:latin typeface="맑은 고딕"/>
+              <a:rPr b="0" lang="en-US" sz="2000" spc="-1" strike="noStrike">
+                <a:latin typeface="Arial"/>
               </a:rPr>
               <a:t>Fourth Outline Level</a:t>
             </a:r>
-            <a:endParaRPr b="0" lang="ko-KR" sz="1800" spc="-1" strike="noStrike">
-              <a:solidFill>
-                <a:srgbClr val="000000"/>
-              </a:solidFill>
-              <a:latin typeface="맑은 고딕"/>
+            <a:endParaRPr b="0" lang="en-US" sz="2000" spc="-1" strike="noStrike">
+              <a:latin typeface="Arial"/>
             </a:endParaRPr>
           </a:p>
           <a:p>
@@ -1849,19 +1529,13 @@
               <a:buChar char=""/>
             </a:pPr>
             <a:r>
-              <a:rPr b="0" lang="ko-KR" sz="2000" spc="-1" strike="noStrike">
-                <a:solidFill>
-                  <a:srgbClr val="000000"/>
-                </a:solidFill>
-                <a:latin typeface="맑은 고딕"/>
+              <a:rPr b="0" lang="en-US" sz="2000" spc="-1" strike="noStrike">
+                <a:latin typeface="Arial"/>
               </a:rPr>
               <a:t>Fifth Outline Level</a:t>
             </a:r>
-            <a:endParaRPr b="0" lang="ko-KR" sz="2000" spc="-1" strike="noStrike">
-              <a:solidFill>
-                <a:srgbClr val="000000"/>
-              </a:solidFill>
-              <a:latin typeface="맑은 고딕"/>
+            <a:endParaRPr b="0" lang="en-US" sz="2000" spc="-1" strike="noStrike">
+              <a:latin typeface="Arial"/>
             </a:endParaRPr>
           </a:p>
           <a:p>
@@ -1877,19 +1551,13 @@
               <a:buChar char=""/>
             </a:pPr>
             <a:r>
-              <a:rPr b="0" lang="ko-KR" sz="2000" spc="-1" strike="noStrike">
-                <a:solidFill>
-                  <a:srgbClr val="000000"/>
-                </a:solidFill>
-                <a:latin typeface="맑은 고딕"/>
+              <a:rPr b="0" lang="en-US" sz="2000" spc="-1" strike="noStrike">
+                <a:latin typeface="Arial"/>
               </a:rPr>
               <a:t>Sixth Outline Level</a:t>
             </a:r>
-            <a:endParaRPr b="0" lang="ko-KR" sz="2000" spc="-1" strike="noStrike">
-              <a:solidFill>
-                <a:srgbClr val="000000"/>
-              </a:solidFill>
-              <a:latin typeface="맑은 고딕"/>
+            <a:endParaRPr b="0" lang="en-US" sz="2000" spc="-1" strike="noStrike">
+              <a:latin typeface="Arial"/>
             </a:endParaRPr>
           </a:p>
           <a:p>
@@ -1905,19 +1573,13 @@
               <a:buChar char=""/>
             </a:pPr>
             <a:r>
-              <a:rPr b="0" lang="ko-KR" sz="2000" spc="-1" strike="noStrike">
-                <a:solidFill>
-                  <a:srgbClr val="000000"/>
-                </a:solidFill>
-                <a:latin typeface="맑은 고딕"/>
+              <a:rPr b="0" lang="en-US" sz="2000" spc="-1" strike="noStrike">
+                <a:latin typeface="Arial"/>
               </a:rPr>
               <a:t>Seventh Outline Level</a:t>
             </a:r>
-            <a:endParaRPr b="0" lang="ko-KR" sz="2000" spc="-1" strike="noStrike">
-              <a:solidFill>
-                <a:srgbClr val="000000"/>
-              </a:solidFill>
-              <a:latin typeface="맑은 고딕"/>
+            <a:endParaRPr b="0" lang="en-US" sz="2000" spc="-1" strike="noStrike">
+              <a:latin typeface="Arial"/>
             </a:endParaRPr>
           </a:p>
         </p:txBody>
@@ -1961,7 +1623,7 @@
       </p:grpSpPr>
       <p:pic>
         <p:nvPicPr>
-          <p:cNvPr id="41" name="Picture 12" descr=""/>
+          <p:cNvPr id="38" name="Picture 12" descr=""/>
           <p:cNvPicPr/>
           <p:nvPr/>
         </p:nvPicPr>
@@ -1972,7 +1634,7 @@
         <p:spPr>
           <a:xfrm>
             <a:off x="343080" y="125640"/>
-            <a:ext cx="1160280" cy="1160280"/>
+            <a:ext cx="1159920" cy="1159920"/>
           </a:xfrm>
           <a:prstGeom prst="rect">
             <a:avLst/>
@@ -1984,14 +1646,14 @@
       </p:pic>
       <p:sp>
         <p:nvSpPr>
-          <p:cNvPr id="42" name="TextShape 1"/>
-          <p:cNvSpPr txBox="1"/>
+          <p:cNvPr id="39" name="CustomShape 1"/>
+          <p:cNvSpPr/>
           <p:nvPr/>
         </p:nvSpPr>
         <p:spPr>
           <a:xfrm>
             <a:off x="3934440" y="1196640"/>
-            <a:ext cx="7772040" cy="1469520"/>
+            <a:ext cx="7771680" cy="1469160"/>
           </a:xfrm>
           <a:prstGeom prst="rect">
             <a:avLst/>
@@ -2001,8 +1663,14 @@
             <a:noFill/>
           </a:ln>
         </p:spPr>
-        <p:txBody>
-          <a:bodyPr anchor="b">
+        <p:style>
+          <a:lnRef idx="0"/>
+          <a:fillRef idx="0"/>
+          <a:effectRef idx="0"/>
+          <a:fontRef idx="minor"/>
+        </p:style>
+        <p:txBody>
+          <a:bodyPr lIns="90000" rIns="90000" tIns="45000" bIns="45000" anchor="b">
             <a:normAutofit/>
           </a:bodyPr>
           <a:p>
@@ -2012,7 +1680,7 @@
               </a:lnSpc>
             </a:pPr>
             <a:r>
-              <a:rPr b="0" lang="ko-KR" sz="6000" spc="-1" strike="noStrike">
+              <a:rPr b="0" lang="en-US" sz="6000" spc="-1" strike="noStrike">
                 <a:solidFill>
                   <a:srgbClr val="000000"/>
                 </a:solidFill>
@@ -2022,7 +1690,7 @@
             </a:r>
             <a:br/>
             <a:r>
-              <a:rPr b="0" lang="ko-KR" sz="6000" spc="-1" strike="noStrike">
+              <a:rPr b="0" lang="en-US" sz="6000" spc="-1" strike="noStrike">
                 <a:solidFill>
                   <a:srgbClr val="000000"/>
                 </a:solidFill>
@@ -2030,25 +1698,22 @@
               </a:rPr>
               <a:t>Settings for development</a:t>
             </a:r>
-            <a:endParaRPr b="0" lang="ko-KR" sz="6000" spc="-1" strike="noStrike">
-              <a:solidFill>
-                <a:srgbClr val="000000"/>
-              </a:solidFill>
-              <a:latin typeface="맑은 고딕"/>
-            </a:endParaRPr>
-          </a:p>
-        </p:txBody>
-      </p:sp>
-      <p:sp>
-        <p:nvSpPr>
-          <p:cNvPr id="43" name="TextShape 2"/>
-          <p:cNvSpPr txBox="1"/>
+            <a:endParaRPr b="0" lang="en-US" sz="6000" spc="-1" strike="noStrike">
+              <a:latin typeface="Arial"/>
+            </a:endParaRPr>
+          </a:p>
+        </p:txBody>
+      </p:sp>
+      <p:sp>
+        <p:nvSpPr>
+          <p:cNvPr id="40" name="CustomShape 2"/>
+          <p:cNvSpPr/>
           <p:nvPr/>
         </p:nvSpPr>
         <p:spPr>
           <a:xfrm>
             <a:off x="5228280" y="4725000"/>
-            <a:ext cx="6400440" cy="1104120"/>
+            <a:ext cx="6400080" cy="1103760"/>
           </a:xfrm>
           <a:prstGeom prst="rect">
             <a:avLst/>
@@ -2058,8 +1723,14 @@
             <a:noFill/>
           </a:ln>
         </p:spPr>
-        <p:txBody>
-          <a:bodyPr>
+        <p:style>
+          <a:lnRef idx="0"/>
+          <a:fillRef idx="0"/>
+          <a:effectRef idx="0"/>
+          <a:fontRef idx="minor"/>
+        </p:style>
+        <p:txBody>
+          <a:bodyPr lIns="90000" rIns="90000" tIns="45000" bIns="45000">
             <a:normAutofit/>
           </a:bodyPr>
           <a:p>
@@ -2137,7 +1808,7 @@
       </p:grpSpPr>
       <p:pic>
         <p:nvPicPr>
-          <p:cNvPr id="44" name="Picture 12" descr=""/>
+          <p:cNvPr id="41" name="Picture 12" descr=""/>
           <p:cNvPicPr/>
           <p:nvPr/>
         </p:nvPicPr>
@@ -2148,7 +1819,7 @@
         <p:spPr>
           <a:xfrm>
             <a:off x="343080" y="125640"/>
-            <a:ext cx="1160280" cy="1160280"/>
+            <a:ext cx="1159920" cy="1159920"/>
           </a:xfrm>
           <a:prstGeom prst="rect">
             <a:avLst/>
@@ -2160,14 +1831,14 @@
       </p:pic>
       <p:sp>
         <p:nvSpPr>
-          <p:cNvPr id="45" name="CustomShape 1"/>
+          <p:cNvPr id="42" name="CustomShape 1"/>
           <p:cNvSpPr/>
           <p:nvPr/>
         </p:nvSpPr>
         <p:spPr>
           <a:xfrm>
             <a:off x="1737360" y="382680"/>
-            <a:ext cx="1022400" cy="639000"/>
+            <a:ext cx="1022040" cy="638640"/>
           </a:xfrm>
           <a:prstGeom prst="rect">
             <a:avLst/>
@@ -2197,6 +1868,7 @@
                   <a:srgbClr val="000000"/>
                 </a:solidFill>
                 <a:latin typeface="맑은 고딕"/>
+                <a:ea typeface="DejaVu Sans"/>
               </a:rPr>
               <a:t>설치</a:t>
             </a:r>
@@ -2208,14 +1880,14 @@
       </p:sp>
       <p:sp>
         <p:nvSpPr>
-          <p:cNvPr id="46" name="CustomShape 2"/>
+          <p:cNvPr id="43" name="CustomShape 2"/>
           <p:cNvSpPr/>
           <p:nvPr/>
         </p:nvSpPr>
         <p:spPr>
           <a:xfrm>
             <a:off x="494640" y="1541160"/>
-            <a:ext cx="11666880" cy="4878360"/>
+            <a:ext cx="11666520" cy="4878000"/>
           </a:xfrm>
           <a:prstGeom prst="rect">
             <a:avLst/>
@@ -2234,7 +1906,7 @@
         <p:txBody>
           <a:bodyPr lIns="90000" rIns="90000" tIns="45000" bIns="45000"/>
           <a:p>
-            <a:pPr marL="343080" indent="-342720">
+            <a:pPr marL="343080" indent="-342360">
               <a:lnSpc>
                 <a:spcPct val="100000"/>
               </a:lnSpc>
@@ -2250,6 +1922,7 @@
                   <a:srgbClr val="000000"/>
                 </a:solidFill>
                 <a:latin typeface="맑은 고딕"/>
+                <a:ea typeface="DejaVu Sans"/>
               </a:rPr>
               <a:t>준비물</a:t>
             </a:r>
@@ -2258,7 +1931,7 @@
             </a:endParaRPr>
           </a:p>
           <a:p>
-            <a:pPr lvl="2" marL="648000" indent="-216000">
+            <a:pPr lvl="2" marL="648000" indent="-215640">
               <a:lnSpc>
                 <a:spcPct val="100000"/>
               </a:lnSpc>
@@ -2275,6 +1948,7 @@
                   <a:srgbClr val="000000"/>
                 </a:solidFill>
                 <a:latin typeface="맑은 고딕"/>
+                <a:ea typeface="DejaVu Sans"/>
               </a:rPr>
               <a:t>컴퓨터 </a:t>
             </a:r>
@@ -2284,6 +1958,7 @@
                   <a:srgbClr val="000000"/>
                 </a:solidFill>
                 <a:latin typeface="맑은 고딕"/>
+                <a:ea typeface="DejaVu Sans"/>
               </a:rPr>
               <a:t>(Ubuntu 18.04 </a:t>
             </a:r>
@@ -2293,6 +1968,7 @@
                   <a:srgbClr val="000000"/>
                 </a:solidFill>
                 <a:latin typeface="맑은 고딕"/>
+                <a:ea typeface="DejaVu Sans"/>
               </a:rPr>
               <a:t>설치 추천</a:t>
             </a:r>
@@ -2302,6 +1978,7 @@
                   <a:srgbClr val="000000"/>
                 </a:solidFill>
                 <a:latin typeface="맑은 고딕"/>
+                <a:ea typeface="DejaVu Sans"/>
               </a:rPr>
               <a:t>)</a:t>
             </a:r>
@@ -2310,7 +1987,7 @@
             </a:endParaRPr>
           </a:p>
           <a:p>
-            <a:pPr lvl="2" marL="648000" indent="-216000">
+            <a:pPr lvl="2" marL="648000" indent="-215640">
               <a:lnSpc>
                 <a:spcPct val="100000"/>
               </a:lnSpc>
@@ -2327,6 +2004,7 @@
                   <a:srgbClr val="000000"/>
                 </a:solidFill>
                 <a:latin typeface="맑은 고딕"/>
+                <a:ea typeface="DejaVu Sans"/>
               </a:rPr>
               <a:t>슬라이드 </a:t>
             </a:r>
@@ -2336,6 +2014,7 @@
                   <a:srgbClr val="000000"/>
                 </a:solidFill>
                 <a:latin typeface="맑은 고딕"/>
+                <a:ea typeface="DejaVu Sans"/>
               </a:rPr>
               <a:t>(</a:t>
             </a:r>
@@ -2345,15 +2024,18 @@
                   <a:srgbClr val="000000"/>
                 </a:solidFill>
                 <a:latin typeface="맑은 고딕"/>
+                <a:ea typeface="DejaVu Sans"/>
               </a:rPr>
               <a:t>강의 시작 전 </a:t>
             </a:r>
             <a:r>
-              <a:rPr b="0" lang="en-US" sz="2000" spc="-1" strike="noStrike">
-                <a:solidFill>
-                  <a:srgbClr val="000000"/>
-                </a:solidFill>
-                <a:latin typeface="맑은 고딕"/>
+              <a:rPr b="0" lang="en-US" sz="2000" spc="-1" strike="noStrike" u="sng">
+                <a:solidFill>
+                  <a:srgbClr val="0000ff"/>
+                </a:solidFill>
+                <a:uFillTx/>
+                <a:latin typeface="맑은 고딕"/>
+                <a:ea typeface="DejaVu Sans"/>
                 <a:hlinkClick r:id="rId2"/>
               </a:rPr>
               <a:t>https://github.com/AuTURBO/documents</a:t>
@@ -2364,24 +2046,17 @@
                   <a:srgbClr val="000000"/>
                 </a:solidFill>
                 <a:latin typeface="맑은 고딕"/>
-              </a:rPr>
-              <a:t> </a:t>
-            </a:r>
-            <a:r>
-              <a:rPr b="0" lang="en-US" sz="2000" spc="-1" strike="noStrike">
-                <a:solidFill>
-                  <a:srgbClr val="000000"/>
-                </a:solidFill>
-                <a:latin typeface="맑은 고딕"/>
-              </a:rPr>
-              <a:t>에 업로드함</a:t>
-            </a:r>
-            <a:r>
-              <a:rPr b="0" lang="en-US" sz="2000" spc="-1" strike="noStrike">
-                <a:solidFill>
-                  <a:srgbClr val="000000"/>
-                </a:solidFill>
-                <a:latin typeface="맑은 고딕"/>
+                <a:ea typeface="DejaVu Sans"/>
+              </a:rPr>
+              <a:t> 에 업로드함</a:t>
+            </a:r>
+            <a:r>
+              <a:rPr b="0" lang="en-US" sz="2000" spc="-1" strike="noStrike">
+                <a:solidFill>
+                  <a:srgbClr val="000000"/>
+                </a:solidFill>
+                <a:latin typeface="맑은 고딕"/>
+                <a:ea typeface="DejaVu Sans"/>
               </a:rPr>
               <a:t>)</a:t>
             </a:r>
@@ -2390,7 +2065,7 @@
             </a:endParaRPr>
           </a:p>
           <a:p>
-            <a:pPr lvl="2" marL="648000" indent="-216000">
+            <a:pPr lvl="2" marL="648000" indent="-215640">
               <a:lnSpc>
                 <a:spcPct val="100000"/>
               </a:lnSpc>
@@ -2407,6 +2082,7 @@
                   <a:srgbClr val="000000"/>
                 </a:solidFill>
                 <a:latin typeface="맑은 고딕"/>
+                <a:ea typeface="DejaVu Sans"/>
               </a:rPr>
               <a:t>ROS</a:t>
             </a:r>
@@ -2416,6 +2092,7 @@
                   <a:srgbClr val="000000"/>
                 </a:solidFill>
                 <a:latin typeface="맑은 고딕"/>
+                <a:ea typeface="DejaVu Sans"/>
               </a:rPr>
               <a:t>서적 </a:t>
             </a:r>
@@ -2425,6 +2102,7 @@
                   <a:srgbClr val="000000"/>
                 </a:solidFill>
                 <a:latin typeface="맑은 고딕"/>
+                <a:ea typeface="DejaVu Sans"/>
               </a:rPr>
               <a:t>(</a:t>
             </a:r>
@@ -2434,6 +2112,7 @@
                   <a:srgbClr val="000000"/>
                 </a:solidFill>
                 <a:latin typeface="맑은 고딕"/>
+                <a:ea typeface="DejaVu Sans"/>
               </a:rPr>
               <a:t>필수 </a:t>
             </a:r>
@@ -2443,6 +2122,7 @@
                   <a:srgbClr val="000000"/>
                 </a:solidFill>
                 <a:latin typeface="맑은 고딕"/>
+                <a:ea typeface="DejaVu Sans"/>
               </a:rPr>
               <a:t>X) </a:t>
             </a:r>
@@ -2451,7 +2131,7 @@
             </a:endParaRPr>
           </a:p>
           <a:p>
-            <a:pPr lvl="4" marL="1080000" indent="-216000">
+            <a:pPr lvl="4" marL="1080000" indent="-215640">
               <a:lnSpc>
                 <a:spcPct val="100000"/>
               </a:lnSpc>
@@ -2468,6 +2148,7 @@
                   <a:srgbClr val="000000"/>
                 </a:solidFill>
                 <a:latin typeface="맑은 고딕"/>
+                <a:ea typeface="DejaVu Sans"/>
               </a:rPr>
               <a:t>ROS1 (http://www.robotis.com/service/download.php?no=719)</a:t>
             </a:r>
@@ -2476,7 +2157,7 @@
             </a:endParaRPr>
           </a:p>
           <a:p>
-            <a:pPr lvl="4" marL="1080000" indent="-216000">
+            <a:pPr lvl="4" marL="1080000" indent="-215640">
               <a:lnSpc>
                 <a:spcPct val="100000"/>
               </a:lnSpc>
@@ -2493,6 +2174,7 @@
                   <a:srgbClr val="000000"/>
                 </a:solidFill>
                 <a:latin typeface="맑은 고딕"/>
+                <a:ea typeface="DejaVu Sans"/>
               </a:rPr>
               <a:t>ROS2 </a:t>
             </a:r>
@@ -2502,6 +2184,7 @@
                   <a:srgbClr val="000000"/>
                 </a:solidFill>
                 <a:latin typeface="맑은 고딕"/>
+                <a:ea typeface="DejaVu Sans"/>
               </a:rPr>
               <a:t>는 현재 없음</a:t>
             </a:r>
@@ -2510,7 +2193,7 @@
             </a:endParaRPr>
           </a:p>
           <a:p>
-            <a:pPr marL="343080" indent="-342720">
+            <a:pPr marL="343080" indent="-342360">
               <a:lnSpc>
                 <a:spcPct val="100000"/>
               </a:lnSpc>
@@ -2526,6 +2209,7 @@
                   <a:srgbClr val="000000"/>
                 </a:solidFill>
                 <a:latin typeface="맑은 고딕"/>
+                <a:ea typeface="DejaVu Sans"/>
               </a:rPr>
               <a:t>설치</a:t>
             </a:r>
@@ -2534,7 +2218,7 @@
             </a:endParaRPr>
           </a:p>
           <a:p>
-            <a:pPr lvl="2" marL="648000" indent="-216000">
+            <a:pPr lvl="2" marL="648000" indent="-215640">
               <a:lnSpc>
                 <a:spcPct val="100000"/>
               </a:lnSpc>
@@ -2551,6 +2235,7 @@
                   <a:srgbClr val="000000"/>
                 </a:solidFill>
                 <a:latin typeface="맑은 고딕"/>
+                <a:ea typeface="DejaVu Sans"/>
               </a:rPr>
               <a:t>ROS1 Melodic &amp; ROS2 Crystal (2019.02</a:t>
             </a:r>
@@ -2560,6 +2245,7 @@
                   <a:srgbClr val="000000"/>
                 </a:solidFill>
                 <a:latin typeface="맑은 고딕"/>
+                <a:ea typeface="DejaVu Sans"/>
               </a:rPr>
               <a:t>월 기준</a:t>
             </a:r>
@@ -2569,6 +2255,7 @@
                   <a:srgbClr val="000000"/>
                 </a:solidFill>
                 <a:latin typeface="맑은 고딕"/>
+                <a:ea typeface="DejaVu Sans"/>
               </a:rPr>
               <a:t>)</a:t>
             </a:r>
@@ -2577,7 +2264,7 @@
             </a:endParaRPr>
           </a:p>
           <a:p>
-            <a:pPr lvl="4" marL="1080000" indent="-216000">
+            <a:pPr lvl="4" marL="1080000" indent="-215640">
               <a:lnSpc>
                 <a:spcPct val="100000"/>
               </a:lnSpc>
@@ -2594,6 +2281,7 @@
                   <a:srgbClr val="000000"/>
                 </a:solidFill>
                 <a:latin typeface="맑은 고딕"/>
+                <a:ea typeface="DejaVu Sans"/>
               </a:rPr>
               <a:t>Ubuntu 18.04 </a:t>
             </a:r>
@@ -2603,6 +2291,7 @@
                   <a:srgbClr val="000000"/>
                 </a:solidFill>
                 <a:latin typeface="맑은 고딕"/>
+                <a:ea typeface="DejaVu Sans"/>
               </a:rPr>
               <a:t>인 경우</a:t>
             </a:r>
@@ -2611,7 +2300,7 @@
             </a:endParaRPr>
           </a:p>
           <a:p>
-            <a:pPr lvl="4" marL="1080000" indent="-216000">
+            <a:pPr lvl="4" marL="1080000" indent="-215640">
               <a:lnSpc>
                 <a:spcPct val="100000"/>
               </a:lnSpc>
@@ -2623,11 +2312,13 @@
               <a:buChar char=""/>
             </a:pPr>
             <a:r>
-              <a:rPr b="0" lang="en-US" sz="2000" spc="-1" strike="noStrike">
-                <a:solidFill>
-                  <a:srgbClr val="000000"/>
-                </a:solidFill>
-                <a:latin typeface="맑은 고딕"/>
+              <a:rPr b="0" lang="en-US" sz="2000" spc="-1" strike="noStrike" u="sng">
+                <a:solidFill>
+                  <a:srgbClr val="0000ff"/>
+                </a:solidFill>
+                <a:uFillTx/>
+                <a:latin typeface="맑은 고딕"/>
+                <a:ea typeface="DejaVu Sans"/>
                 <a:hlinkClick r:id="rId3"/>
               </a:rPr>
               <a:t>https://github.com/AuTURBO/auturbo_robot_development_tools</a:t>
@@ -2638,6 +2329,7 @@
                   <a:srgbClr val="000000"/>
                 </a:solidFill>
                 <a:latin typeface="맑은 고딕"/>
+                <a:ea typeface="DejaVu Sans"/>
               </a:rPr>
               <a:t> </a:t>
             </a:r>
@@ -2647,6 +2339,7 @@
                   <a:srgbClr val="000000"/>
                 </a:solidFill>
                 <a:latin typeface="맑은 고딕"/>
+                <a:ea typeface="DejaVu Sans"/>
               </a:rPr>
               <a:t>에서 </a:t>
             </a:r>
@@ -2656,6 +2349,7 @@
                   <a:srgbClr val="000000"/>
                 </a:solidFill>
                 <a:latin typeface="맑은 고딕"/>
+                <a:ea typeface="DejaVu Sans"/>
               </a:rPr>
               <a:t>Readme </a:t>
             </a:r>
@@ -2665,6 +2359,7 @@
                   <a:srgbClr val="000000"/>
                 </a:solidFill>
                 <a:latin typeface="맑은 고딕"/>
+                <a:ea typeface="DejaVu Sans"/>
               </a:rPr>
               <a:t>참고</a:t>
             </a:r>
@@ -2673,7 +2368,7 @@
             </a:endParaRPr>
           </a:p>
           <a:p>
-            <a:pPr lvl="4" marL="1080000" indent="-216000">
+            <a:pPr lvl="4" marL="1080000" indent="-215640">
               <a:lnSpc>
                 <a:spcPct val="100000"/>
               </a:lnSpc>
@@ -2690,6 +2385,7 @@
                   <a:srgbClr val="000000"/>
                 </a:solidFill>
                 <a:latin typeface="맑은 고딕"/>
+                <a:ea typeface="DejaVu Sans"/>
               </a:rPr>
               <a:t>Ubuntu 16.04 </a:t>
             </a:r>
@@ -2699,6 +2395,7 @@
                   <a:srgbClr val="000000"/>
                 </a:solidFill>
                 <a:latin typeface="맑은 고딕"/>
+                <a:ea typeface="DejaVu Sans"/>
               </a:rPr>
               <a:t>인 경우</a:t>
             </a:r>
@@ -2707,7 +2404,7 @@
             </a:endParaRPr>
           </a:p>
           <a:p>
-            <a:pPr lvl="4" marL="1080000" indent="-216000">
+            <a:pPr lvl="4" marL="1080000" indent="-215640">
               <a:lnSpc>
                 <a:spcPct val="100000"/>
               </a:lnSpc>
@@ -2719,11 +2416,13 @@
               <a:buChar char=""/>
             </a:pPr>
             <a:r>
-              <a:rPr b="0" lang="en-US" sz="2000" spc="-1" strike="noStrike">
-                <a:solidFill>
-                  <a:srgbClr val="000000"/>
-                </a:solidFill>
-                <a:latin typeface="맑은 고딕"/>
+              <a:rPr b="0" lang="en-US" sz="2000" spc="-1" strike="noStrike" u="sng">
+                <a:solidFill>
+                  <a:srgbClr val="0000ff"/>
+                </a:solidFill>
+                <a:uFillTx/>
+                <a:latin typeface="맑은 고딕"/>
+                <a:ea typeface="DejaVu Sans"/>
                 <a:hlinkClick r:id="rId4"/>
               </a:rPr>
               <a:t>https://index.ros.org/doc/ros2/Installation/Linux-Development-Setup/</a:t>
@@ -2734,6 +2433,7 @@
                   <a:srgbClr val="000000"/>
                 </a:solidFill>
                 <a:latin typeface="맑은 고딕"/>
+                <a:ea typeface="DejaVu Sans"/>
               </a:rPr>
               <a:t> </a:t>
             </a:r>
@@ -2743,6 +2443,7 @@
                   <a:srgbClr val="000000"/>
                 </a:solidFill>
                 <a:latin typeface="맑은 고딕"/>
+                <a:ea typeface="DejaVu Sans"/>
               </a:rPr>
               <a:t>참고</a:t>
             </a:r>
@@ -2751,7 +2452,7 @@
             </a:endParaRPr>
           </a:p>
           <a:p>
-            <a:pPr lvl="2" marL="648000" indent="-216000">
+            <a:pPr lvl="2" marL="648000" indent="-215640">
               <a:lnSpc>
                 <a:spcPct val="100000"/>
               </a:lnSpc>
@@ -2768,6 +2469,7 @@
                   <a:srgbClr val="000000"/>
                 </a:solidFill>
                 <a:latin typeface="맑은 고딕"/>
+                <a:ea typeface="DejaVu Sans"/>
               </a:rPr>
               <a:t>ROS1 &amp; ROS2 </a:t>
             </a:r>
@@ -2777,6 +2479,7 @@
                   <a:srgbClr val="000000"/>
                 </a:solidFill>
                 <a:latin typeface="맑은 고딕"/>
+                <a:ea typeface="DejaVu Sans"/>
               </a:rPr>
               <a:t>간단하게 스위칭 하며 쓸 수 있으니 걱정 말고 모두 설치 할 것 </a:t>
             </a:r>
@@ -2857,7 +2560,7 @@
       </p:grpSpPr>
       <p:pic>
         <p:nvPicPr>
-          <p:cNvPr id="47" name="Picture 12" descr=""/>
+          <p:cNvPr id="44" name="Picture 12" descr=""/>
           <p:cNvPicPr/>
           <p:nvPr/>
         </p:nvPicPr>
@@ -2868,7 +2571,7 @@
         <p:spPr>
           <a:xfrm>
             <a:off x="343080" y="125640"/>
-            <a:ext cx="1160280" cy="1160280"/>
+            <a:ext cx="1159920" cy="1159920"/>
           </a:xfrm>
           <a:prstGeom prst="rect">
             <a:avLst/>
@@ -2880,14 +2583,14 @@
       </p:pic>
       <p:sp>
         <p:nvSpPr>
-          <p:cNvPr id="48" name="CustomShape 1"/>
+          <p:cNvPr id="45" name="CustomShape 1"/>
           <p:cNvSpPr/>
           <p:nvPr/>
         </p:nvSpPr>
         <p:spPr>
           <a:xfrm>
             <a:off x="1503360" y="382680"/>
-            <a:ext cx="5860080" cy="639000"/>
+            <a:ext cx="5859720" cy="638640"/>
           </a:xfrm>
           <a:prstGeom prst="rect">
             <a:avLst/>
@@ -2917,6 +2620,7 @@
                   <a:srgbClr val="000000"/>
                 </a:solidFill>
                 <a:latin typeface="맑은 고딕"/>
+                <a:ea typeface="DejaVu Sans"/>
               </a:rPr>
               <a:t>ROS1 </a:t>
             </a:r>
@@ -2926,6 +2630,7 @@
                   <a:srgbClr val="000000"/>
                 </a:solidFill>
                 <a:latin typeface="맑은 고딕"/>
+                <a:ea typeface="DejaVu Sans"/>
               </a:rPr>
               <a:t>및 </a:t>
             </a:r>
@@ -2935,6 +2640,7 @@
                   <a:srgbClr val="000000"/>
                 </a:solidFill>
                 <a:latin typeface="맑은 고딕"/>
+                <a:ea typeface="DejaVu Sans"/>
               </a:rPr>
               <a:t>ROS2 </a:t>
             </a:r>
@@ -2944,6 +2650,7 @@
                   <a:srgbClr val="000000"/>
                 </a:solidFill>
                 <a:latin typeface="맑은 고딕"/>
+                <a:ea typeface="DejaVu Sans"/>
               </a:rPr>
               <a:t>의 사용 목적</a:t>
             </a:r>
@@ -2955,14 +2662,14 @@
       </p:sp>
       <p:sp>
         <p:nvSpPr>
-          <p:cNvPr id="49" name="CustomShape 2"/>
+          <p:cNvPr id="46" name="CustomShape 2"/>
           <p:cNvSpPr/>
           <p:nvPr/>
         </p:nvSpPr>
         <p:spPr>
           <a:xfrm>
             <a:off x="182880" y="1541160"/>
-            <a:ext cx="12009240" cy="1310040"/>
+            <a:ext cx="12008880" cy="1309680"/>
           </a:xfrm>
           <a:prstGeom prst="rect">
             <a:avLst/>
@@ -2981,7 +2688,7 @@
         <p:txBody>
           <a:bodyPr lIns="90000" rIns="90000" tIns="45000" bIns="45000"/>
           <a:p>
-            <a:pPr marL="343080" indent="-342720">
+            <a:pPr marL="343080" indent="-342360">
               <a:lnSpc>
                 <a:spcPct val="100000"/>
               </a:lnSpc>
@@ -2998,6 +2705,7 @@
                   <a:srgbClr val="000000"/>
                 </a:solidFill>
                 <a:latin typeface="맑은 고딕"/>
+                <a:ea typeface="DejaVu Sans"/>
               </a:rPr>
               <a:t>ROS1 : </a:t>
             </a:r>
@@ -3007,6 +2715,7 @@
                   <a:srgbClr val="000000"/>
                 </a:solidFill>
                 <a:latin typeface="맑은 고딕"/>
+                <a:ea typeface="DejaVu Sans"/>
               </a:rPr>
               <a:t>기존 </a:t>
             </a:r>
@@ -3016,6 +2725,7 @@
                   <a:srgbClr val="000000"/>
                 </a:solidFill>
                 <a:latin typeface="맑은 고딕"/>
+                <a:ea typeface="DejaVu Sans"/>
               </a:rPr>
               <a:t>ROS1</a:t>
             </a:r>
@@ -3025,6 +2735,7 @@
                   <a:srgbClr val="000000"/>
                 </a:solidFill>
                 <a:latin typeface="맑은 고딕"/>
+                <a:ea typeface="DejaVu Sans"/>
               </a:rPr>
               <a:t>으로 개발된 자원들을 사용하거나</a:t>
             </a:r>
@@ -3034,6 +2745,7 @@
                   <a:srgbClr val="000000"/>
                 </a:solidFill>
                 <a:latin typeface="맑은 고딕"/>
+                <a:ea typeface="DejaVu Sans"/>
               </a:rPr>
               <a:t>, ROS1 </a:t>
             </a:r>
@@ -3043,6 +2755,7 @@
                   <a:srgbClr val="000000"/>
                 </a:solidFill>
                 <a:latin typeface="맑은 고딕"/>
+                <a:ea typeface="DejaVu Sans"/>
               </a:rPr>
               <a:t>자원을</a:t>
             </a:r>
@@ -3052,6 +2765,7 @@
                   <a:srgbClr val="000000"/>
                 </a:solidFill>
                 <a:latin typeface="맑은 고딕"/>
+                <a:ea typeface="DejaVu Sans"/>
               </a:rPr>
               <a:t>ROS2 </a:t>
             </a:r>
@@ -3061,6 +2775,7 @@
                   <a:srgbClr val="000000"/>
                 </a:solidFill>
                 <a:latin typeface="맑은 고딕"/>
+                <a:ea typeface="DejaVu Sans"/>
               </a:rPr>
               <a:t>으로 포팅 할 때 참고하기 위해</a:t>
             </a:r>
@@ -3069,7 +2784,7 @@
             </a:endParaRPr>
           </a:p>
           <a:p>
-            <a:pPr marL="343080" indent="-342720">
+            <a:pPr marL="343080" indent="-342360">
               <a:lnSpc>
                 <a:spcPct val="100000"/>
               </a:lnSpc>
@@ -3086,6 +2801,7 @@
                   <a:srgbClr val="000000"/>
                 </a:solidFill>
                 <a:latin typeface="맑은 고딕"/>
+                <a:ea typeface="DejaVu Sans"/>
               </a:rPr>
               <a:t>ROS2 : </a:t>
             </a:r>
@@ -3095,6 +2811,7 @@
                   <a:srgbClr val="000000"/>
                 </a:solidFill>
                 <a:latin typeface="맑은 고딕"/>
+                <a:ea typeface="DejaVu Sans"/>
               </a:rPr>
               <a:t>현재 및 향후 트렌드를 따라 개발을 진행하기 위해</a:t>
             </a:r>
@@ -3126,14 +2843,14 @@
       </p:sp>
       <p:sp>
         <p:nvSpPr>
-          <p:cNvPr id="50" name="Line 3"/>
+          <p:cNvPr id="47" name="Line 3"/>
           <p:cNvSpPr/>
           <p:nvPr/>
         </p:nvSpPr>
         <p:spPr>
           <a:xfrm>
             <a:off x="6126480" y="2377440"/>
-            <a:ext cx="0" cy="4163040"/>
+            <a:ext cx="360" cy="4163040"/>
           </a:xfrm>
           <a:prstGeom prst="line">
             <a:avLst/>
@@ -3154,14 +2871,14 @@
       </p:sp>
       <p:sp>
         <p:nvSpPr>
-          <p:cNvPr id="51" name="CustomShape 4"/>
+          <p:cNvPr id="48" name="CustomShape 4"/>
           <p:cNvSpPr/>
           <p:nvPr/>
         </p:nvSpPr>
         <p:spPr>
           <a:xfrm>
             <a:off x="3328200" y="4831920"/>
-            <a:ext cx="509040" cy="380160"/>
+            <a:ext cx="508680" cy="379800"/>
           </a:xfrm>
           <a:prstGeom prst="rightArrow">
             <a:avLst>
@@ -3188,14 +2905,14 @@
       </p:sp>
       <p:sp>
         <p:nvSpPr>
-          <p:cNvPr id="52" name="CustomShape 5"/>
+          <p:cNvPr id="49" name="CustomShape 5"/>
           <p:cNvSpPr/>
           <p:nvPr/>
         </p:nvSpPr>
         <p:spPr>
           <a:xfrm>
             <a:off x="438480" y="2926080"/>
-            <a:ext cx="2891520" cy="3277080"/>
+            <a:ext cx="2891160" cy="3276720"/>
           </a:xfrm>
           <a:prstGeom prst="roundRect">
             <a:avLst>
@@ -3219,14 +2936,14 @@
       </p:sp>
       <p:sp>
         <p:nvSpPr>
-          <p:cNvPr id="53" name="CustomShape 6"/>
+          <p:cNvPr id="50" name="CustomShape 6"/>
           <p:cNvSpPr/>
           <p:nvPr/>
         </p:nvSpPr>
         <p:spPr>
           <a:xfrm>
             <a:off x="9199080" y="4490280"/>
-            <a:ext cx="509040" cy="380160"/>
+            <a:ext cx="508680" cy="379800"/>
           </a:xfrm>
           <a:prstGeom prst="rightArrow">
             <a:avLst>
@@ -3253,14 +2970,14 @@
       </p:sp>
       <p:sp>
         <p:nvSpPr>
-          <p:cNvPr id="54" name="CustomShape 7"/>
+          <p:cNvPr id="51" name="CustomShape 7"/>
           <p:cNvSpPr/>
           <p:nvPr/>
         </p:nvSpPr>
         <p:spPr>
           <a:xfrm>
             <a:off x="6309360" y="3017520"/>
-            <a:ext cx="2891520" cy="3277080"/>
+            <a:ext cx="2891160" cy="3276720"/>
           </a:xfrm>
           <a:prstGeom prst="roundRect">
             <a:avLst>
@@ -3284,14 +3001,14 @@
       </p:sp>
       <p:sp>
         <p:nvSpPr>
-          <p:cNvPr id="55" name="CustomShape 8"/>
+          <p:cNvPr id="52" name="CustomShape 8"/>
           <p:cNvSpPr/>
           <p:nvPr/>
         </p:nvSpPr>
         <p:spPr>
           <a:xfrm>
             <a:off x="3840480" y="3657600"/>
-            <a:ext cx="1761840" cy="1996920"/>
+            <a:ext cx="1761480" cy="1996560"/>
           </a:xfrm>
           <a:prstGeom prst="roundRect">
             <a:avLst>
@@ -3315,14 +3032,14 @@
       </p:sp>
       <p:sp>
         <p:nvSpPr>
-          <p:cNvPr id="56" name="CustomShape 9"/>
+          <p:cNvPr id="53" name="CustomShape 9"/>
           <p:cNvSpPr/>
           <p:nvPr/>
         </p:nvSpPr>
         <p:spPr>
           <a:xfrm rot="10800000">
-            <a:off x="3838680" y="4480560"/>
-            <a:ext cx="509040" cy="380160"/>
+            <a:off x="4347720" y="4860720"/>
+            <a:ext cx="508680" cy="379800"/>
           </a:xfrm>
           <a:prstGeom prst="rightArrow">
             <a:avLst>
@@ -3349,14 +3066,14 @@
       </p:sp>
       <p:sp>
         <p:nvSpPr>
-          <p:cNvPr id="57" name="CustomShape 10"/>
+          <p:cNvPr id="54" name="CustomShape 10"/>
           <p:cNvSpPr/>
           <p:nvPr/>
         </p:nvSpPr>
         <p:spPr>
           <a:xfrm>
             <a:off x="9723600" y="3657600"/>
-            <a:ext cx="1761840" cy="1996920"/>
+            <a:ext cx="1761480" cy="1996560"/>
           </a:xfrm>
           <a:prstGeom prst="roundRect">
             <a:avLst>
@@ -3380,7 +3097,7 @@
       </p:sp>
       <p:pic>
         <p:nvPicPr>
-          <p:cNvPr id="58" name="" descr=""/>
+          <p:cNvPr id="55" name="" descr=""/>
           <p:cNvPicPr/>
           <p:nvPr/>
         </p:nvPicPr>
@@ -3391,7 +3108,76 @@
         <p:spPr>
           <a:xfrm>
             <a:off x="4077720" y="4129920"/>
-            <a:ext cx="1416960" cy="1416960"/>
+            <a:ext cx="1416600" cy="1416600"/>
+          </a:xfrm>
+          <a:prstGeom prst="rect">
+            <a:avLst/>
+          </a:prstGeom>
+          <a:ln>
+            <a:noFill/>
+          </a:ln>
+        </p:spPr>
+      </p:pic>
+      <p:pic>
+        <p:nvPicPr>
+          <p:cNvPr id="56" name="" descr=""/>
+          <p:cNvPicPr/>
+          <p:nvPr/>
+        </p:nvPicPr>
+        <p:blipFill>
+          <a:blip r:embed="rId3"/>
+          <a:stretch/>
+        </p:blipFill>
+        <p:spPr>
+          <a:xfrm>
+            <a:off x="731520" y="4389120"/>
+            <a:ext cx="1096920" cy="959760"/>
+          </a:xfrm>
+          <a:prstGeom prst="rect">
+            <a:avLst/>
+          </a:prstGeom>
+          <a:ln>
+            <a:noFill/>
+          </a:ln>
+        </p:spPr>
+      </p:pic>
+      <p:pic>
+        <p:nvPicPr>
+          <p:cNvPr id="57" name="" descr=""/>
+          <p:cNvPicPr/>
+          <p:nvPr/>
+        </p:nvPicPr>
+        <p:blipFill>
+          <a:blip r:embed="rId4"/>
+          <a:stretch/>
+        </p:blipFill>
+        <p:spPr>
+          <a:xfrm>
+            <a:off x="1033920" y="2931840"/>
+            <a:ext cx="1526040" cy="816840"/>
+          </a:xfrm>
+          <a:prstGeom prst="rect">
+            <a:avLst/>
+          </a:prstGeom>
+          <a:ln>
+            <a:noFill/>
+          </a:ln>
+        </p:spPr>
+      </p:pic>
+      <p:pic>
+        <p:nvPicPr>
+          <p:cNvPr id="58" name="" descr=""/>
+          <p:cNvPicPr/>
+          <p:nvPr/>
+        </p:nvPicPr>
+        <p:blipFill>
+          <a:blip r:embed="rId5"/>
+          <a:stretch/>
+        </p:blipFill>
+        <p:spPr>
+          <a:xfrm>
+            <a:off x="6977520" y="3017520"/>
+            <a:ext cx="1526040" cy="816840"/>
           </a:xfrm>
           <a:prstGeom prst="rect">
             <a:avLst/>
@@ -3408,13 +3194,13 @@
           <p:nvPr/>
         </p:nvPicPr>
         <p:blipFill>
-          <a:blip r:embed="rId3"/>
+          <a:blip r:embed="rId6"/>
           <a:stretch/>
         </p:blipFill>
         <p:spPr>
           <a:xfrm>
-            <a:off x="731520" y="4389120"/>
-            <a:ext cx="1097280" cy="960120"/>
+            <a:off x="1920240" y="4937760"/>
+            <a:ext cx="1096920" cy="1096920"/>
           </a:xfrm>
           <a:prstGeom prst="rect">
             <a:avLst/>
@@ -3431,13 +3217,13 @@
           <p:nvPr/>
         </p:nvPicPr>
         <p:blipFill>
-          <a:blip r:embed="rId4"/>
+          <a:blip r:embed="rId7"/>
           <a:stretch/>
         </p:blipFill>
         <p:spPr>
           <a:xfrm>
-            <a:off x="1033920" y="2931840"/>
-            <a:ext cx="1526400" cy="817200"/>
+            <a:off x="1980720" y="3749040"/>
+            <a:ext cx="1127880" cy="1127880"/>
           </a:xfrm>
           <a:prstGeom prst="rect">
             <a:avLst/>
@@ -3454,13 +3240,13 @@
           <p:nvPr/>
         </p:nvPicPr>
         <p:blipFill>
-          <a:blip r:embed="rId5"/>
+          <a:blip r:embed="rId8"/>
           <a:stretch/>
         </p:blipFill>
         <p:spPr>
           <a:xfrm>
-            <a:off x="6977520" y="3017520"/>
-            <a:ext cx="1526400" cy="817200"/>
+            <a:off x="9921600" y="4165920"/>
+            <a:ext cx="1416600" cy="1416600"/>
           </a:xfrm>
           <a:prstGeom prst="rect">
             <a:avLst/>
@@ -3477,13 +3263,13 @@
           <p:nvPr/>
         </p:nvPicPr>
         <p:blipFill>
-          <a:blip r:embed="rId6"/>
+          <a:blip r:embed="rId9"/>
           <a:stretch/>
         </p:blipFill>
         <p:spPr>
           <a:xfrm>
-            <a:off x="1920240" y="4937760"/>
-            <a:ext cx="1097280" cy="1097280"/>
+            <a:off x="6575400" y="4389120"/>
+            <a:ext cx="1096920" cy="959760"/>
           </a:xfrm>
           <a:prstGeom prst="rect">
             <a:avLst/>
@@ -3500,13 +3286,13 @@
           <p:nvPr/>
         </p:nvPicPr>
         <p:blipFill>
-          <a:blip r:embed="rId7"/>
+          <a:blip r:embed="rId10"/>
           <a:stretch/>
         </p:blipFill>
         <p:spPr>
           <a:xfrm>
-            <a:off x="1980720" y="3749040"/>
-            <a:ext cx="1128240" cy="1128240"/>
+            <a:off x="7764120" y="4937760"/>
+            <a:ext cx="1096920" cy="1096920"/>
           </a:xfrm>
           <a:prstGeom prst="rect">
             <a:avLst/>
@@ -3523,13 +3309,13 @@
           <p:nvPr/>
         </p:nvPicPr>
         <p:blipFill>
-          <a:blip r:embed="rId8"/>
+          <a:blip r:embed="rId11"/>
           <a:stretch/>
         </p:blipFill>
         <p:spPr>
           <a:xfrm>
-            <a:off x="9921600" y="4165920"/>
-            <a:ext cx="1416960" cy="1416960"/>
+            <a:off x="7824600" y="3749040"/>
+            <a:ext cx="1127880" cy="1127880"/>
           </a:xfrm>
           <a:prstGeom prst="rect">
             <a:avLst/>
@@ -3546,13 +3332,13 @@
           <p:nvPr/>
         </p:nvPicPr>
         <p:blipFill>
-          <a:blip r:embed="rId9"/>
+          <a:blip r:embed="rId12"/>
           <a:stretch/>
         </p:blipFill>
         <p:spPr>
           <a:xfrm>
-            <a:off x="6575400" y="4389120"/>
-            <a:ext cx="1097280" cy="960120"/>
+            <a:off x="4389120" y="3674160"/>
+            <a:ext cx="674640" cy="674640"/>
           </a:xfrm>
           <a:prstGeom prst="rect">
             <a:avLst/>
@@ -3569,13 +3355,13 @@
           <p:nvPr/>
         </p:nvPicPr>
         <p:blipFill>
-          <a:blip r:embed="rId10"/>
+          <a:blip r:embed="rId13"/>
           <a:stretch/>
         </p:blipFill>
         <p:spPr>
           <a:xfrm>
-            <a:off x="7764120" y="4937760"/>
-            <a:ext cx="1097280" cy="1097280"/>
+            <a:off x="10297800" y="3638520"/>
+            <a:ext cx="674640" cy="674640"/>
           </a:xfrm>
           <a:prstGeom prst="rect">
             <a:avLst/>
@@ -3585,85 +3371,16 @@
           </a:ln>
         </p:spPr>
       </p:pic>
-      <p:pic>
-        <p:nvPicPr>
-          <p:cNvPr id="67" name="" descr=""/>
-          <p:cNvPicPr/>
-          <p:nvPr/>
-        </p:nvPicPr>
-        <p:blipFill>
-          <a:blip r:embed="rId11"/>
-          <a:stretch/>
-        </p:blipFill>
-        <p:spPr>
-          <a:xfrm>
-            <a:off x="7824600" y="3749040"/>
-            <a:ext cx="1128240" cy="1128240"/>
-          </a:xfrm>
-          <a:prstGeom prst="rect">
-            <a:avLst/>
-          </a:prstGeom>
-          <a:ln>
-            <a:noFill/>
-          </a:ln>
-        </p:spPr>
-      </p:pic>
-      <p:pic>
-        <p:nvPicPr>
-          <p:cNvPr id="68" name="" descr=""/>
-          <p:cNvPicPr/>
-          <p:nvPr/>
-        </p:nvPicPr>
-        <p:blipFill>
-          <a:blip r:embed="rId12"/>
-          <a:stretch/>
-        </p:blipFill>
-        <p:spPr>
-          <a:xfrm>
-            <a:off x="4389120" y="3674160"/>
-            <a:ext cx="675000" cy="675000"/>
-          </a:xfrm>
-          <a:prstGeom prst="rect">
-            <a:avLst/>
-          </a:prstGeom>
-          <a:ln>
-            <a:noFill/>
-          </a:ln>
-        </p:spPr>
-      </p:pic>
-      <p:pic>
-        <p:nvPicPr>
-          <p:cNvPr id="69" name="" descr=""/>
-          <p:cNvPicPr/>
-          <p:nvPr/>
-        </p:nvPicPr>
-        <p:blipFill>
-          <a:blip r:embed="rId13"/>
-          <a:stretch/>
-        </p:blipFill>
-        <p:spPr>
-          <a:xfrm>
-            <a:off x="10297800" y="3638520"/>
-            <a:ext cx="675000" cy="675000"/>
-          </a:xfrm>
-          <a:prstGeom prst="rect">
-            <a:avLst/>
-          </a:prstGeom>
-          <a:ln>
-            <a:noFill/>
-          </a:ln>
-        </p:spPr>
-      </p:pic>
-      <p:sp>
-        <p:nvSpPr>
-          <p:cNvPr id="70" name="CustomShape 11"/>
+      <p:sp>
+        <p:nvSpPr>
+          <p:cNvPr id="67" name="CustomShape 11"/>
           <p:cNvSpPr/>
           <p:nvPr/>
         </p:nvSpPr>
         <p:spPr>
           <a:xfrm>
             <a:off x="3474720" y="2926080"/>
-            <a:ext cx="1280160" cy="548640"/>
+            <a:ext cx="1279800" cy="548280"/>
           </a:xfrm>
           <a:prstGeom prst="wedgeRoundRectCallout">
             <a:avLst>
@@ -3690,10 +3407,18 @@
         <p:txBody>
           <a:bodyPr wrap="none" lIns="90000" rIns="90000" tIns="45000" bIns="45000" anchor="ctr"/>
           <a:p>
-            <a:pPr algn="ctr"/>
+            <a:pPr algn="ctr">
+              <a:lnSpc>
+                <a:spcPct val="100000"/>
+              </a:lnSpc>
+            </a:pPr>
             <a:r>
               <a:rPr b="0" lang="en-US" sz="1800" spc="-1" strike="noStrike">
+                <a:solidFill>
+                  <a:srgbClr val="000000"/>
+                </a:solidFill>
                 <a:latin typeface="Arial"/>
+                <a:ea typeface="DejaVu Sans"/>
               </a:rPr>
               <a:t>ros1_bridge</a:t>
             </a:r>
@@ -3705,14 +3430,14 @@
       </p:sp>
       <p:sp>
         <p:nvSpPr>
-          <p:cNvPr id="71" name="CustomShape 12"/>
+          <p:cNvPr id="68" name="CustomShape 12"/>
           <p:cNvSpPr/>
           <p:nvPr/>
         </p:nvSpPr>
         <p:spPr>
           <a:xfrm>
             <a:off x="9326880" y="3017520"/>
-            <a:ext cx="1280160" cy="548640"/>
+            <a:ext cx="1279800" cy="548280"/>
           </a:xfrm>
           <a:prstGeom prst="wedgeRoundRectCallout">
             <a:avLst>
@@ -3739,10 +3464,18 @@
         <p:txBody>
           <a:bodyPr wrap="none" lIns="90000" rIns="90000" tIns="45000" bIns="45000" anchor="ctr"/>
           <a:p>
-            <a:pPr algn="ctr"/>
+            <a:pPr algn="ctr">
+              <a:lnSpc>
+                <a:spcPct val="100000"/>
+              </a:lnSpc>
+            </a:pPr>
             <a:r>
               <a:rPr b="0" lang="en-US" sz="1800" spc="-1" strike="noStrike">
+                <a:solidFill>
+                  <a:srgbClr val="000000"/>
+                </a:solidFill>
                 <a:latin typeface="Arial"/>
+                <a:ea typeface="DejaVu Sans"/>
               </a:rPr>
               <a:t>Porting</a:t>
             </a:r>
@@ -3803,7 +3536,7 @@
       </p:grpSpPr>
       <p:pic>
         <p:nvPicPr>
-          <p:cNvPr id="72" name="Picture 12" descr=""/>
+          <p:cNvPr id="69" name="Picture 12" descr=""/>
           <p:cNvPicPr/>
           <p:nvPr/>
         </p:nvPicPr>
@@ -3814,7 +3547,7 @@
         <p:spPr>
           <a:xfrm>
             <a:off x="343080" y="125640"/>
-            <a:ext cx="1160280" cy="1160280"/>
+            <a:ext cx="1159920" cy="1159920"/>
           </a:xfrm>
           <a:prstGeom prst="rect">
             <a:avLst/>
@@ -3826,14 +3559,14 @@
       </p:pic>
       <p:sp>
         <p:nvSpPr>
-          <p:cNvPr id="73" name="CustomShape 1"/>
+          <p:cNvPr id="70" name="CustomShape 1"/>
           <p:cNvSpPr/>
           <p:nvPr/>
         </p:nvSpPr>
         <p:spPr>
           <a:xfrm>
             <a:off x="1527120" y="382680"/>
-            <a:ext cx="1442880" cy="639000"/>
+            <a:ext cx="1442520" cy="638640"/>
           </a:xfrm>
           <a:prstGeom prst="rect">
             <a:avLst/>
@@ -3863,17 +3596,9 @@
                   <a:srgbClr val="000000"/>
                 </a:solidFill>
                 <a:latin typeface="맑은 고딕"/>
-              </a:rPr>
-              <a:t>테스</a:t>
-            </a:r>
-            <a:r>
-              <a:rPr b="0" lang="en-US" sz="3600" spc="-1" strike="noStrike">
-                <a:solidFill>
-                  <a:srgbClr val="000000"/>
-                </a:solidFill>
-                <a:latin typeface="맑은 고딕"/>
-              </a:rPr>
-              <a:t>트</a:t>
+                <a:ea typeface="DejaVu Sans"/>
+              </a:rPr>
+              <a:t>테스트</a:t>
             </a:r>
             <a:endParaRPr b="0" lang="en-US" sz="3600" spc="-1" strike="noStrike">
               <a:latin typeface="Arial"/>
@@ -3883,14 +3608,14 @@
       </p:sp>
       <p:sp>
         <p:nvSpPr>
-          <p:cNvPr id="74" name="CustomShape 2"/>
+          <p:cNvPr id="71" name="CustomShape 2"/>
           <p:cNvSpPr/>
           <p:nvPr/>
         </p:nvSpPr>
         <p:spPr>
           <a:xfrm>
             <a:off x="494640" y="1541160"/>
-            <a:ext cx="11666880" cy="5040000"/>
+            <a:ext cx="11666520" cy="5039640"/>
           </a:xfrm>
           <a:prstGeom prst="rect">
             <a:avLst/>
@@ -3909,7 +3634,7 @@
         <p:txBody>
           <a:bodyPr lIns="90000" rIns="90000" tIns="45000" bIns="45000"/>
           <a:p>
-            <a:pPr marL="343080" indent="-342720">
+            <a:pPr marL="343080" indent="-342360">
               <a:lnSpc>
                 <a:spcPct val="100000"/>
               </a:lnSpc>
@@ -3925,6 +3650,7 @@
                   <a:srgbClr val="000000"/>
                 </a:solidFill>
                 <a:latin typeface="맑은 고딕"/>
+                <a:ea typeface="DejaVu Sans"/>
               </a:rPr>
               <a:t>ROS1 </a:t>
             </a:r>
@@ -3934,6 +3660,7 @@
                   <a:srgbClr val="000000"/>
                 </a:solidFill>
                 <a:latin typeface="맑은 고딕"/>
+                <a:ea typeface="DejaVu Sans"/>
               </a:rPr>
               <a:t>상에서 </a:t>
             </a:r>
@@ -3943,6 +3670,7 @@
                   <a:srgbClr val="000000"/>
                 </a:solidFill>
                 <a:latin typeface="맑은 고딕"/>
+                <a:ea typeface="DejaVu Sans"/>
               </a:rPr>
               <a:t>USB Cam test ($ r1 </a:t>
             </a:r>
@@ -3952,6 +3680,7 @@
                   <a:srgbClr val="000000"/>
                 </a:solidFill>
                 <a:latin typeface="맑은 고딕"/>
+                <a:ea typeface="DejaVu Sans"/>
               </a:rPr>
               <a:t>입력하여 </a:t>
             </a:r>
@@ -3961,6 +3690,7 @@
                   <a:srgbClr val="000000"/>
                 </a:solidFill>
                 <a:latin typeface="맑은 고딕"/>
+                <a:ea typeface="DejaVu Sans"/>
               </a:rPr>
               <a:t>ros1 mode </a:t>
             </a:r>
@@ -3970,6 +3700,7 @@
                   <a:srgbClr val="000000"/>
                 </a:solidFill>
                 <a:latin typeface="맑은 고딕"/>
+                <a:ea typeface="DejaVu Sans"/>
               </a:rPr>
               <a:t>설정</a:t>
             </a:r>
@@ -3979,6 +3710,7 @@
                   <a:srgbClr val="000000"/>
                 </a:solidFill>
                 <a:latin typeface="맑은 고딕"/>
+                <a:ea typeface="DejaVu Sans"/>
               </a:rPr>
               <a:t>)</a:t>
             </a:r>
@@ -3987,7 +3719,7 @@
             </a:endParaRPr>
           </a:p>
           <a:p>
-            <a:pPr lvl="2" marL="648000" indent="-216000">
+            <a:pPr lvl="2" marL="648000" indent="-215640">
               <a:lnSpc>
                 <a:spcPct val="100000"/>
               </a:lnSpc>
@@ -4004,6 +3736,7 @@
                   <a:srgbClr val="000000"/>
                 </a:solidFill>
                 <a:latin typeface="맑은 고딕"/>
+                <a:ea typeface="DejaVu Sans"/>
               </a:rPr>
               <a:t>[1]$ sudo apt-get install ros-melodic-usb-cam</a:t>
             </a:r>
@@ -4012,7 +3745,7 @@
             </a:endParaRPr>
           </a:p>
           <a:p>
-            <a:pPr lvl="2" marL="648000" indent="-216000">
+            <a:pPr lvl="2" marL="648000" indent="-215640">
               <a:lnSpc>
                 <a:spcPct val="100000"/>
               </a:lnSpc>
@@ -4029,15 +3762,16 @@
                   <a:srgbClr val="000000"/>
                 </a:solidFill>
                 <a:latin typeface="맑은 고딕"/>
-              </a:rPr>
-              <a:t>[1]$ rosrun usb_cam usb_cam_node</a:t>
+                <a:ea typeface="DejaVu Sans"/>
+              </a:rPr>
+              <a:t>[1]$ roscore</a:t>
             </a:r>
             <a:endParaRPr b="0" lang="en-US" sz="2000" spc="-1" strike="noStrike">
               <a:latin typeface="Arial"/>
             </a:endParaRPr>
           </a:p>
           <a:p>
-            <a:pPr lvl="2" marL="648000" indent="-216000">
+            <a:pPr lvl="2" marL="648000" indent="-215640">
               <a:lnSpc>
                 <a:spcPct val="100000"/>
               </a:lnSpc>
@@ -4054,15 +3788,16 @@
                   <a:srgbClr val="000000"/>
                 </a:solidFill>
                 <a:latin typeface="맑은 고딕"/>
-              </a:rPr>
-              <a:t>[2]$ rosrun rqt_image_view rqt_image_view</a:t>
+                <a:ea typeface="DejaVu Sans"/>
+              </a:rPr>
+              <a:t>[2]$ rosrun usb_cam usb_cam_node</a:t>
             </a:r>
             <a:endParaRPr b="0" lang="en-US" sz="2000" spc="-1" strike="noStrike">
               <a:latin typeface="Arial"/>
             </a:endParaRPr>
           </a:p>
           <a:p>
-            <a:pPr lvl="2" marL="648000" indent="-216000">
+            <a:pPr lvl="2" marL="648000" indent="-215640">
               <a:lnSpc>
                 <a:spcPct val="100000"/>
               </a:lnSpc>
@@ -4079,15 +3814,16 @@
                   <a:srgbClr val="000000"/>
                 </a:solidFill>
                 <a:latin typeface="맑은 고딕"/>
-              </a:rPr>
-              <a:t>[3]$ rosrun rviz rviz</a:t>
+                <a:ea typeface="DejaVu Sans"/>
+              </a:rPr>
+              <a:t>[3]$ rosrun rqt_image_view rqt_image_view</a:t>
             </a:r>
             <a:endParaRPr b="0" lang="en-US" sz="2000" spc="-1" strike="noStrike">
               <a:latin typeface="Arial"/>
             </a:endParaRPr>
           </a:p>
           <a:p>
-            <a:pPr lvl="2" marL="648000" indent="-216000">
+            <a:pPr lvl="2" marL="648000" indent="-215640">
               <a:lnSpc>
                 <a:spcPct val="100000"/>
               </a:lnSpc>
@@ -4098,12 +3834,32 @@
               <a:buFont typeface="Wingdings" charset="2"/>
               <a:buChar char=""/>
             </a:pPr>
+            <a:r>
+              <a:rPr b="0" lang="en-US" sz="2000" spc="-1" strike="noStrike">
+                <a:solidFill>
+                  <a:srgbClr val="000000"/>
+                </a:solidFill>
+                <a:latin typeface="맑은 고딕"/>
+                <a:ea typeface="DejaVu Sans"/>
+              </a:rPr>
+              <a:t>[4]$ rosrun rviz rviz</a:t>
+            </a:r>
             <a:endParaRPr b="0" lang="en-US" sz="2000" spc="-1" strike="noStrike">
               <a:latin typeface="Arial"/>
             </a:endParaRPr>
           </a:p>
           <a:p>
-            <a:pPr marL="343080" indent="-342720">
+            <a:pPr>
+              <a:lnSpc>
+                <a:spcPct val="100000"/>
+              </a:lnSpc>
+            </a:pPr>
+            <a:endParaRPr b="0" lang="en-US" sz="2000" spc="-1" strike="noStrike">
+              <a:latin typeface="Arial"/>
+            </a:endParaRPr>
+          </a:p>
+          <a:p>
+            <a:pPr marL="343080" indent="-342360">
               <a:lnSpc>
                 <a:spcPct val="100000"/>
               </a:lnSpc>
@@ -4119,6 +3875,7 @@
                   <a:srgbClr val="000000"/>
                 </a:solidFill>
                 <a:latin typeface="맑은 고딕"/>
+                <a:ea typeface="DejaVu Sans"/>
               </a:rPr>
               <a:t>ROS2 </a:t>
             </a:r>
@@ -4128,6 +3885,7 @@
                   <a:srgbClr val="000000"/>
                 </a:solidFill>
                 <a:latin typeface="맑은 고딕"/>
+                <a:ea typeface="DejaVu Sans"/>
               </a:rPr>
               <a:t>상에서 </a:t>
             </a:r>
@@ -4137,6 +3895,7 @@
                   <a:srgbClr val="000000"/>
                 </a:solidFill>
                 <a:latin typeface="맑은 고딕"/>
+                <a:ea typeface="DejaVu Sans"/>
               </a:rPr>
               <a:t>USB Cam test ($r2 </a:t>
             </a:r>
@@ -4146,6 +3905,7 @@
                   <a:srgbClr val="000000"/>
                 </a:solidFill>
                 <a:latin typeface="맑은 고딕"/>
+                <a:ea typeface="DejaVu Sans"/>
               </a:rPr>
               <a:t>입력하여 </a:t>
             </a:r>
@@ -4155,6 +3915,7 @@
                   <a:srgbClr val="000000"/>
                 </a:solidFill>
                 <a:latin typeface="맑은 고딕"/>
+                <a:ea typeface="DejaVu Sans"/>
               </a:rPr>
               <a:t>ros2 mode </a:t>
             </a:r>
@@ -4164,6 +3925,7 @@
                   <a:srgbClr val="000000"/>
                 </a:solidFill>
                 <a:latin typeface="맑은 고딕"/>
+                <a:ea typeface="DejaVu Sans"/>
               </a:rPr>
               <a:t>설정</a:t>
             </a:r>
@@ -4173,6 +3935,7 @@
                   <a:srgbClr val="000000"/>
                 </a:solidFill>
                 <a:latin typeface="맑은 고딕"/>
+                <a:ea typeface="DejaVu Sans"/>
               </a:rPr>
               <a:t>)</a:t>
             </a:r>
@@ -4181,7 +3944,7 @@
             </a:endParaRPr>
           </a:p>
           <a:p>
-            <a:pPr lvl="2" marL="648000" indent="-216000">
+            <a:pPr lvl="2" marL="648000" indent="-215640">
               <a:lnSpc>
                 <a:spcPct val="100000"/>
               </a:lnSpc>
@@ -4198,15 +3961,18 @@
                   <a:srgbClr val="000000"/>
                 </a:solidFill>
                 <a:latin typeface="맑은 고딕"/>
-              </a:rPr>
-              <a:t>[1]$ cd ~/colcon_ws/src &amp;&amp; </a:t>
-            </a:r>
-            <a:r>
-              <a:rPr b="0" lang="en-US" sz="2000" spc="-1" strike="noStrike">
-                <a:solidFill>
-                  <a:srgbClr val="000000"/>
-                </a:solidFill>
-                <a:latin typeface="맑은 고딕"/>
+                <a:ea typeface="DejaVu Sans"/>
+              </a:rPr>
+              <a:t>[1]$ cd ~/colcon_ws/src &amp;&amp; git clone </a:t>
+            </a:r>
+            <a:r>
+              <a:rPr b="0" lang="en-US" sz="2000" spc="-1" strike="noStrike" u="sng">
+                <a:solidFill>
+                  <a:srgbClr val="0000ff"/>
+                </a:solidFill>
+                <a:uFillTx/>
+                <a:latin typeface="맑은 고딕"/>
+                <a:ea typeface="DejaVu Sans"/>
                 <a:hlinkClick r:id="rId2"/>
               </a:rPr>
               <a:t>https://github.com/klintan/ros2_usb_camera.git</a:t>
@@ -4216,7 +3982,7 @@
             </a:endParaRPr>
           </a:p>
           <a:p>
-            <a:pPr lvl="2" marL="648000" indent="-216000">
+            <a:pPr lvl="2" marL="648000" indent="-215640">
               <a:lnSpc>
                 <a:spcPct val="100000"/>
               </a:lnSpc>
@@ -4233,6 +3999,7 @@
                   <a:srgbClr val="000000"/>
                 </a:solidFill>
                 <a:latin typeface="맑은 고딕"/>
+                <a:ea typeface="DejaVu Sans"/>
               </a:rPr>
               <a:t>[1]$ ros2 run usb_camera usb_camera_node</a:t>
             </a:r>
@@ -4241,7 +4008,7 @@
             </a:endParaRPr>
           </a:p>
           <a:p>
-            <a:pPr lvl="2" marL="648000" indent="-216000">
+            <a:pPr lvl="2" marL="648000" indent="-215640">
               <a:lnSpc>
                 <a:spcPct val="100000"/>
               </a:lnSpc>
@@ -4258,6 +4025,7 @@
                   <a:srgbClr val="000000"/>
                 </a:solidFill>
                 <a:latin typeface="맑은 고딕"/>
+                <a:ea typeface="DejaVu Sans"/>
               </a:rPr>
               <a:t>[2]$ ros2 run rqt_image_view rqt_image_view</a:t>
             </a:r>
@@ -4266,7 +4034,7 @@
             </a:endParaRPr>
           </a:p>
           <a:p>
-            <a:pPr lvl="2" marL="648000" indent="-216000">
+            <a:pPr lvl="2" marL="648000" indent="-215640">
               <a:lnSpc>
                 <a:spcPct val="100000"/>
               </a:lnSpc>
@@ -4283,6 +4051,7 @@
                   <a:srgbClr val="000000"/>
                 </a:solidFill>
                 <a:latin typeface="맑은 고딕"/>
+                <a:ea typeface="DejaVu Sans"/>
               </a:rPr>
               <a:t>[3]$ ros2 run rviz2 rviz2</a:t>
             </a:r>
@@ -4291,7 +4060,17 @@
             </a:endParaRPr>
           </a:p>
           <a:p>
-            <a:pPr lvl="2" marL="648000" indent="-216000">
+            <a:pPr>
+              <a:lnSpc>
+                <a:spcPct val="100000"/>
+              </a:lnSpc>
+            </a:pPr>
+            <a:endParaRPr b="0" lang="en-US" sz="2000" spc="-1" strike="noStrike">
+              <a:latin typeface="Arial"/>
+            </a:endParaRPr>
+          </a:p>
+          <a:p>
+            <a:pPr lvl="2" marL="648000" indent="-215640">
               <a:lnSpc>
                 <a:spcPct val="100000"/>
               </a:lnSpc>
@@ -4302,12 +4081,32 @@
               <a:buFont typeface="Wingdings" charset="2"/>
               <a:buChar char=""/>
             </a:pPr>
+            <a:r>
+              <a:rPr b="0" lang="en-US" sz="2000" spc="-1" strike="noStrike">
+                <a:solidFill>
+                  <a:srgbClr val="000000"/>
+                </a:solidFill>
+                <a:latin typeface="맑은 고딕"/>
+                <a:ea typeface="DejaVu Sans"/>
+              </a:rPr>
+              <a:t>rqt tools </a:t>
+            </a:r>
+            <a:r>
+              <a:rPr b="0" lang="en-US" sz="2000" spc="-1" strike="noStrike">
+                <a:solidFill>
+                  <a:srgbClr val="000000"/>
+                </a:solidFill>
+                <a:latin typeface="맑은 고딕"/>
+                <a:ea typeface="DejaVu Sans"/>
+              </a:rPr>
+              <a:t>들이 안 깔려 있을 시</a:t>
+            </a:r>
             <a:endParaRPr b="0" lang="en-US" sz="2000" spc="-1" strike="noStrike">
               <a:latin typeface="Arial"/>
             </a:endParaRPr>
           </a:p>
           <a:p>
-            <a:pPr lvl="2" marL="648000" indent="-216000">
+            <a:pPr lvl="2" marL="648000" indent="-215640">
               <a:lnSpc>
                 <a:spcPct val="100000"/>
               </a:lnSpc>
@@ -4324,40 +4123,7 @@
                   <a:srgbClr val="000000"/>
                 </a:solidFill>
                 <a:latin typeface="맑은 고딕"/>
-              </a:rPr>
-              <a:t>rqt tools </a:t>
-            </a:r>
-            <a:r>
-              <a:rPr b="0" lang="en-US" sz="2000" spc="-1" strike="noStrike">
-                <a:solidFill>
-                  <a:srgbClr val="000000"/>
-                </a:solidFill>
-                <a:latin typeface="맑은 고딕"/>
-              </a:rPr>
-              <a:t>들이 안 깔려 있을 시</a:t>
-            </a:r>
-            <a:endParaRPr b="0" lang="en-US" sz="2000" spc="-1" strike="noStrike">
-              <a:latin typeface="Arial"/>
-            </a:endParaRPr>
-          </a:p>
-          <a:p>
-            <a:pPr lvl="2" marL="648000" indent="-216000">
-              <a:lnSpc>
-                <a:spcPct val="100000"/>
-              </a:lnSpc>
-              <a:buClr>
-                <a:srgbClr val="000000"/>
-              </a:buClr>
-              <a:buSzPct val="45000"/>
-              <a:buFont typeface="Wingdings" charset="2"/>
-              <a:buChar char=""/>
-            </a:pPr>
-            <a:r>
-              <a:rPr b="0" lang="en-US" sz="2000" spc="-1" strike="noStrike">
-                <a:solidFill>
-                  <a:srgbClr val="000000"/>
-                </a:solidFill>
-                <a:latin typeface="맑은 고딕"/>
+                <a:ea typeface="DejaVu Sans"/>
               </a:rPr>
               <a:t>$ sudo apt-get install ros-crystal-rqt*</a:t>
             </a:r>

--- a/auturbo_2019_spring/auturbo_2019_spring_week1/auturbo_2019_spring_week1_dev_settings.pptx
+++ b/auturbo_2019_spring/auturbo_2019_spring_week1/auturbo_2019_spring_week1_dev_settings.pptx
@@ -67,7 +67,7 @@
         <p:spPr>
           <a:xfrm>
             <a:off x="1523880" y="1122480"/>
-            <a:ext cx="9143280" cy="2386800"/>
+            <a:ext cx="9142920" cy="2386440"/>
           </a:xfrm>
           <a:prstGeom prst="rect">
             <a:avLst/>
@@ -96,7 +96,7 @@
         <p:spPr>
           <a:xfrm>
             <a:off x="609480" y="1604520"/>
-            <a:ext cx="10972440" cy="1896840"/>
+            <a:ext cx="10972080" cy="1896840"/>
           </a:xfrm>
           <a:prstGeom prst="rect">
             <a:avLst/>
@@ -126,7 +126,7 @@
         <p:spPr>
           <a:xfrm>
             <a:off x="609480" y="3682080"/>
-            <a:ext cx="10972440" cy="1896840"/>
+            <a:ext cx="10972080" cy="1896840"/>
           </a:xfrm>
           <a:prstGeom prst="rect">
             <a:avLst/>
@@ -178,7 +178,7 @@
         <p:spPr>
           <a:xfrm>
             <a:off x="1523880" y="1122480"/>
-            <a:ext cx="9143280" cy="2386800"/>
+            <a:ext cx="9142920" cy="2386440"/>
           </a:xfrm>
           <a:prstGeom prst="rect">
             <a:avLst/>
@@ -349,7 +349,7 @@
         <p:spPr>
           <a:xfrm>
             <a:off x="1523880" y="1122480"/>
-            <a:ext cx="9143280" cy="2386800"/>
+            <a:ext cx="9142920" cy="2386440"/>
           </a:xfrm>
           <a:prstGeom prst="rect">
             <a:avLst/>
@@ -378,7 +378,7 @@
         <p:spPr>
           <a:xfrm>
             <a:off x="609480" y="1604520"/>
-            <a:ext cx="3533040" cy="1896840"/>
+            <a:ext cx="3532680" cy="1896840"/>
           </a:xfrm>
           <a:prstGeom prst="rect">
             <a:avLst/>
@@ -407,8 +407,8 @@
         </p:nvSpPr>
         <p:spPr>
           <a:xfrm>
-            <a:off x="4319640" y="1604520"/>
-            <a:ext cx="3533040" cy="1896840"/>
+            <a:off x="4319280" y="1604520"/>
+            <a:ext cx="3532680" cy="1896840"/>
           </a:xfrm>
           <a:prstGeom prst="rect">
             <a:avLst/>
@@ -437,8 +437,8 @@
         </p:nvSpPr>
         <p:spPr>
           <a:xfrm>
-            <a:off x="8029800" y="1604520"/>
-            <a:ext cx="3533040" cy="1896840"/>
+            <a:off x="8028720" y="1604520"/>
+            <a:ext cx="3532680" cy="1896840"/>
           </a:xfrm>
           <a:prstGeom prst="rect">
             <a:avLst/>
@@ -468,7 +468,7 @@
         <p:spPr>
           <a:xfrm>
             <a:off x="609480" y="3682080"/>
-            <a:ext cx="3533040" cy="1896840"/>
+            <a:ext cx="3532680" cy="1896840"/>
           </a:xfrm>
           <a:prstGeom prst="rect">
             <a:avLst/>
@@ -497,8 +497,8 @@
         </p:nvSpPr>
         <p:spPr>
           <a:xfrm>
-            <a:off x="4319640" y="3682080"/>
-            <a:ext cx="3533040" cy="1896840"/>
+            <a:off x="4319280" y="3682080"/>
+            <a:ext cx="3532680" cy="1896840"/>
           </a:xfrm>
           <a:prstGeom prst="rect">
             <a:avLst/>
@@ -527,8 +527,8 @@
         </p:nvSpPr>
         <p:spPr>
           <a:xfrm>
-            <a:off x="8029800" y="3682080"/>
-            <a:ext cx="3533040" cy="1896840"/>
+            <a:off x="8028720" y="3682080"/>
+            <a:ext cx="3532680" cy="1896840"/>
           </a:xfrm>
           <a:prstGeom prst="rect">
             <a:avLst/>
@@ -580,7 +580,7 @@
         <p:spPr>
           <a:xfrm>
             <a:off x="1523880" y="1122480"/>
-            <a:ext cx="9143280" cy="2386800"/>
+            <a:ext cx="9142920" cy="2386440"/>
           </a:xfrm>
           <a:prstGeom prst="rect">
             <a:avLst/>
@@ -609,7 +609,7 @@
         <p:spPr>
           <a:xfrm>
             <a:off x="609480" y="1604520"/>
-            <a:ext cx="10972440" cy="3977280"/>
+            <a:ext cx="10972080" cy="3976920"/>
           </a:xfrm>
           <a:prstGeom prst="rect">
             <a:avLst/>
@@ -660,7 +660,7 @@
         <p:spPr>
           <a:xfrm>
             <a:off x="1523880" y="1122480"/>
-            <a:ext cx="9143280" cy="2386800"/>
+            <a:ext cx="9142920" cy="2386440"/>
           </a:xfrm>
           <a:prstGeom prst="rect">
             <a:avLst/>
@@ -689,7 +689,7 @@
         <p:spPr>
           <a:xfrm>
             <a:off x="609480" y="1604520"/>
-            <a:ext cx="10972440" cy="3977280"/>
+            <a:ext cx="10972080" cy="3976920"/>
           </a:xfrm>
           <a:prstGeom prst="rect">
             <a:avLst/>
@@ -741,7 +741,7 @@
         <p:spPr>
           <a:xfrm>
             <a:off x="1523880" y="1122480"/>
-            <a:ext cx="9143280" cy="2386800"/>
+            <a:ext cx="9142920" cy="2386440"/>
           </a:xfrm>
           <a:prstGeom prst="rect">
             <a:avLst/>
@@ -770,7 +770,7 @@
         <p:spPr>
           <a:xfrm>
             <a:off x="609480" y="1604520"/>
-            <a:ext cx="5354280" cy="3977280"/>
+            <a:ext cx="5354280" cy="3976920"/>
           </a:xfrm>
           <a:prstGeom prst="rect">
             <a:avLst/>
@@ -800,7 +800,7 @@
         <p:spPr>
           <a:xfrm>
             <a:off x="6231960" y="1604520"/>
-            <a:ext cx="5354280" cy="3977280"/>
+            <a:ext cx="5354280" cy="3976920"/>
           </a:xfrm>
           <a:prstGeom prst="rect">
             <a:avLst/>
@@ -852,7 +852,7 @@
         <p:spPr>
           <a:xfrm>
             <a:off x="1523880" y="1122480"/>
-            <a:ext cx="9143280" cy="2386800"/>
+            <a:ext cx="9142920" cy="2386440"/>
           </a:xfrm>
           <a:prstGeom prst="rect">
             <a:avLst/>
@@ -903,7 +903,7 @@
         <p:spPr>
           <a:xfrm>
             <a:off x="1523880" y="1122480"/>
-            <a:ext cx="9143280" cy="11064960"/>
+            <a:ext cx="9142920" cy="11063520"/>
           </a:xfrm>
           <a:prstGeom prst="rect">
             <a:avLst/>
@@ -954,7 +954,7 @@
         <p:spPr>
           <a:xfrm>
             <a:off x="1523880" y="1122480"/>
-            <a:ext cx="9143280" cy="2386800"/>
+            <a:ext cx="9142920" cy="2386440"/>
           </a:xfrm>
           <a:prstGeom prst="rect">
             <a:avLst/>
@@ -1013,7 +1013,7 @@
         <p:spPr>
           <a:xfrm>
             <a:off x="6231960" y="1604520"/>
-            <a:ext cx="5354280" cy="3977280"/>
+            <a:ext cx="5354280" cy="3976920"/>
           </a:xfrm>
           <a:prstGeom prst="rect">
             <a:avLst/>
@@ -1095,7 +1095,7 @@
         <p:spPr>
           <a:xfrm>
             <a:off x="1523880" y="1122480"/>
-            <a:ext cx="9143280" cy="2386800"/>
+            <a:ext cx="9142920" cy="2386440"/>
           </a:xfrm>
           <a:prstGeom prst="rect">
             <a:avLst/>
@@ -1124,7 +1124,7 @@
         <p:spPr>
           <a:xfrm>
             <a:off x="609480" y="1604520"/>
-            <a:ext cx="5354280" cy="3977280"/>
+            <a:ext cx="5354280" cy="3976920"/>
           </a:xfrm>
           <a:prstGeom prst="rect">
             <a:avLst/>
@@ -1236,7 +1236,7 @@
         <p:spPr>
           <a:xfrm>
             <a:off x="1523880" y="1122480"/>
-            <a:ext cx="9143280" cy="2386800"/>
+            <a:ext cx="9142920" cy="2386440"/>
           </a:xfrm>
           <a:prstGeom prst="rect">
             <a:avLst/>
@@ -1325,7 +1325,7 @@
         <p:spPr>
           <a:xfrm>
             <a:off x="609480" y="3682080"/>
-            <a:ext cx="10972440" cy="1896840"/>
+            <a:ext cx="10972080" cy="1896840"/>
           </a:xfrm>
           <a:prstGeom prst="rect">
             <a:avLst/>
@@ -1384,7 +1384,7 @@
         <p:spPr>
           <a:xfrm>
             <a:off x="1523880" y="1122480"/>
-            <a:ext cx="9143280" cy="2386800"/>
+            <a:ext cx="9142920" cy="2386440"/>
           </a:xfrm>
           <a:prstGeom prst="rect">
             <a:avLst/>
@@ -1418,7 +1418,7 @@
         <p:spPr>
           <a:xfrm>
             <a:off x="609480" y="1604520"/>
-            <a:ext cx="10972440" cy="3977280"/>
+            <a:ext cx="10972080" cy="3976920"/>
           </a:xfrm>
           <a:prstGeom prst="rect">
             <a:avLst/>
@@ -1441,12 +1441,12 @@
               <a:buChar char=""/>
             </a:pPr>
             <a:r>
-              <a:rPr b="0" lang="en-US" sz="3200" spc="-1" strike="noStrike">
+              <a:rPr b="0" lang="en-US" sz="1800" spc="-1" strike="noStrike">
                 <a:latin typeface="Arial"/>
               </a:rPr>
               <a:t>Click to edit the outline text format</a:t>
             </a:r>
-            <a:endParaRPr b="0" lang="en-US" sz="3200" spc="-1" strike="noStrike">
+            <a:endParaRPr b="0" lang="en-US" sz="1800" spc="-1" strike="noStrike">
               <a:latin typeface="Arial"/>
             </a:endParaRPr>
           </a:p>
@@ -1463,12 +1463,12 @@
               <a:buChar char=""/>
             </a:pPr>
             <a:r>
-              <a:rPr b="0" lang="en-US" sz="2800" spc="-1" strike="noStrike">
+              <a:rPr b="0" lang="en-US" sz="1800" spc="-1" strike="noStrike">
                 <a:latin typeface="Arial"/>
               </a:rPr>
               <a:t>Second Outline Level</a:t>
             </a:r>
-            <a:endParaRPr b="0" lang="en-US" sz="2800" spc="-1" strike="noStrike">
+            <a:endParaRPr b="0" lang="en-US" sz="1800" spc="-1" strike="noStrike">
               <a:latin typeface="Arial"/>
             </a:endParaRPr>
           </a:p>
@@ -1485,12 +1485,12 @@
               <a:buChar char=""/>
             </a:pPr>
             <a:r>
-              <a:rPr b="0" lang="en-US" sz="2400" spc="-1" strike="noStrike">
+              <a:rPr b="0" lang="en-US" sz="1800" spc="-1" strike="noStrike">
                 <a:latin typeface="Arial"/>
               </a:rPr>
               <a:t>Third Outline Level</a:t>
             </a:r>
-            <a:endParaRPr b="0" lang="en-US" sz="2400" spc="-1" strike="noStrike">
+            <a:endParaRPr b="0" lang="en-US" sz="1800" spc="-1" strike="noStrike">
               <a:latin typeface="Arial"/>
             </a:endParaRPr>
           </a:p>
@@ -1507,12 +1507,12 @@
               <a:buChar char=""/>
             </a:pPr>
             <a:r>
-              <a:rPr b="0" lang="en-US" sz="2000" spc="-1" strike="noStrike">
+              <a:rPr b="0" lang="en-US" sz="1800" spc="-1" strike="noStrike">
                 <a:latin typeface="Arial"/>
               </a:rPr>
               <a:t>Fourth Outline Level</a:t>
             </a:r>
-            <a:endParaRPr b="0" lang="en-US" sz="2000" spc="-1" strike="noStrike">
+            <a:endParaRPr b="0" lang="en-US" sz="1800" spc="-1" strike="noStrike">
               <a:latin typeface="Arial"/>
             </a:endParaRPr>
           </a:p>
@@ -1529,12 +1529,12 @@
               <a:buChar char=""/>
             </a:pPr>
             <a:r>
-              <a:rPr b="0" lang="en-US" sz="2000" spc="-1" strike="noStrike">
+              <a:rPr b="0" lang="en-US" sz="1800" spc="-1" strike="noStrike">
                 <a:latin typeface="Arial"/>
               </a:rPr>
               <a:t>Fifth Outline Level</a:t>
             </a:r>
-            <a:endParaRPr b="0" lang="en-US" sz="2000" spc="-1" strike="noStrike">
+            <a:endParaRPr b="0" lang="en-US" sz="1800" spc="-1" strike="noStrike">
               <a:latin typeface="Arial"/>
             </a:endParaRPr>
           </a:p>
@@ -1551,12 +1551,12 @@
               <a:buChar char=""/>
             </a:pPr>
             <a:r>
-              <a:rPr b="0" lang="en-US" sz="2000" spc="-1" strike="noStrike">
+              <a:rPr b="0" lang="en-US" sz="1800" spc="-1" strike="noStrike">
                 <a:latin typeface="Arial"/>
               </a:rPr>
               <a:t>Sixth Outline Level</a:t>
             </a:r>
-            <a:endParaRPr b="0" lang="en-US" sz="2000" spc="-1" strike="noStrike">
+            <a:endParaRPr b="0" lang="en-US" sz="1800" spc="-1" strike="noStrike">
               <a:latin typeface="Arial"/>
             </a:endParaRPr>
           </a:p>
@@ -1573,12 +1573,12 @@
               <a:buChar char=""/>
             </a:pPr>
             <a:r>
-              <a:rPr b="0" lang="en-US" sz="2000" spc="-1" strike="noStrike">
+              <a:rPr b="0" lang="en-US" sz="1800" spc="-1" strike="noStrike">
                 <a:latin typeface="Arial"/>
               </a:rPr>
               <a:t>Seventh Outline Level</a:t>
             </a:r>
-            <a:endParaRPr b="0" lang="en-US" sz="2000" spc="-1" strike="noStrike">
+            <a:endParaRPr b="0" lang="en-US" sz="1800" spc="-1" strike="noStrike">
               <a:latin typeface="Arial"/>
             </a:endParaRPr>
           </a:p>
@@ -1634,7 +1634,7 @@
         <p:spPr>
           <a:xfrm>
             <a:off x="343080" y="125640"/>
-            <a:ext cx="1159920" cy="1159920"/>
+            <a:ext cx="1159560" cy="1159560"/>
           </a:xfrm>
           <a:prstGeom prst="rect">
             <a:avLst/>
@@ -1653,7 +1653,7 @@
         <p:spPr>
           <a:xfrm>
             <a:off x="3934440" y="1196640"/>
-            <a:ext cx="7771680" cy="1469160"/>
+            <a:ext cx="7771320" cy="1468800"/>
           </a:xfrm>
           <a:prstGeom prst="rect">
             <a:avLst/>
@@ -1685,6 +1685,7 @@
                   <a:srgbClr val="000000"/>
                 </a:solidFill>
                 <a:latin typeface="맑은 고딕"/>
+                <a:ea typeface="DejaVu Sans"/>
               </a:rPr>
               <a:t>AuTURBO 2019</a:t>
             </a:r>
@@ -1695,6 +1696,7 @@
                   <a:srgbClr val="000000"/>
                 </a:solidFill>
                 <a:latin typeface="맑은 고딕"/>
+                <a:ea typeface="DejaVu Sans"/>
               </a:rPr>
               <a:t>Settings for development</a:t>
             </a:r>
@@ -1713,7 +1715,7 @@
         <p:spPr>
           <a:xfrm>
             <a:off x="5228280" y="4725000"/>
-            <a:ext cx="6400080" cy="1103760"/>
+            <a:ext cx="6399720" cy="1103400"/>
           </a:xfrm>
           <a:prstGeom prst="rect">
             <a:avLst/>
@@ -1748,6 +1750,7 @@
                   <a:srgbClr val="000000"/>
                 </a:solidFill>
                 <a:latin typeface="맑은 고딕"/>
+                <a:ea typeface="DejaVu Sans"/>
               </a:rPr>
               <a:t>정 려운</a:t>
             </a:r>
@@ -1819,7 +1822,7 @@
         <p:spPr>
           <a:xfrm>
             <a:off x="343080" y="125640"/>
-            <a:ext cx="1159920" cy="1159920"/>
+            <a:ext cx="1159560" cy="1159560"/>
           </a:xfrm>
           <a:prstGeom prst="rect">
             <a:avLst/>
@@ -1838,7 +1841,7 @@
         <p:spPr>
           <a:xfrm>
             <a:off x="1737360" y="382680"/>
-            <a:ext cx="1022040" cy="638640"/>
+            <a:ext cx="1021680" cy="638280"/>
           </a:xfrm>
           <a:prstGeom prst="rect">
             <a:avLst/>
@@ -1887,7 +1890,7 @@
         <p:spPr>
           <a:xfrm>
             <a:off x="494640" y="1541160"/>
-            <a:ext cx="11666520" cy="4878000"/>
+            <a:ext cx="11666160" cy="4877640"/>
           </a:xfrm>
           <a:prstGeom prst="rect">
             <a:avLst/>
@@ -1906,7 +1909,7 @@
         <p:txBody>
           <a:bodyPr lIns="90000" rIns="90000" tIns="45000" bIns="45000"/>
           <a:p>
-            <a:pPr marL="343080" indent="-342360">
+            <a:pPr marL="343080" indent="-342000">
               <a:lnSpc>
                 <a:spcPct val="100000"/>
               </a:lnSpc>
@@ -1931,7 +1934,7 @@
             </a:endParaRPr>
           </a:p>
           <a:p>
-            <a:pPr lvl="2" marL="648000" indent="-215640">
+            <a:pPr lvl="2" marL="648000" indent="-215280">
               <a:lnSpc>
                 <a:spcPct val="100000"/>
               </a:lnSpc>
@@ -1987,7 +1990,7 @@
             </a:endParaRPr>
           </a:p>
           <a:p>
-            <a:pPr lvl="2" marL="648000" indent="-215640">
+            <a:pPr lvl="2" marL="648000" indent="-215280">
               <a:lnSpc>
                 <a:spcPct val="100000"/>
               </a:lnSpc>
@@ -2048,7 +2051,17 @@
                 <a:latin typeface="맑은 고딕"/>
                 <a:ea typeface="DejaVu Sans"/>
               </a:rPr>
-              <a:t> 에 업로드함</a:t>
+              <a:t> </a:t>
+            </a:r>
+            <a:r>
+              <a:rPr b="0" lang="en-US" sz="2000" spc="-1" strike="noStrike">
+                <a:solidFill>
+                  <a:srgbClr val="000000"/>
+                </a:solidFill>
+                <a:latin typeface="맑은 고딕"/>
+                <a:ea typeface="DejaVu Sans"/>
+              </a:rPr>
+              <a:t>에 업로드함</a:t>
             </a:r>
             <a:r>
               <a:rPr b="0" lang="en-US" sz="2000" spc="-1" strike="noStrike">
@@ -2065,7 +2078,7 @@
             </a:endParaRPr>
           </a:p>
           <a:p>
-            <a:pPr lvl="2" marL="648000" indent="-215640">
+            <a:pPr lvl="2" marL="648000" indent="-215280">
               <a:lnSpc>
                 <a:spcPct val="100000"/>
               </a:lnSpc>
@@ -2131,7 +2144,7 @@
             </a:endParaRPr>
           </a:p>
           <a:p>
-            <a:pPr lvl="4" marL="1080000" indent="-215640">
+            <a:pPr lvl="4" marL="1080000" indent="-215280">
               <a:lnSpc>
                 <a:spcPct val="100000"/>
               </a:lnSpc>
@@ -2157,7 +2170,7 @@
             </a:endParaRPr>
           </a:p>
           <a:p>
-            <a:pPr lvl="4" marL="1080000" indent="-215640">
+            <a:pPr lvl="4" marL="1080000" indent="-215280">
               <a:lnSpc>
                 <a:spcPct val="100000"/>
               </a:lnSpc>
@@ -2193,7 +2206,7 @@
             </a:endParaRPr>
           </a:p>
           <a:p>
-            <a:pPr marL="343080" indent="-342360">
+            <a:pPr marL="343080" indent="-342000">
               <a:lnSpc>
                 <a:spcPct val="100000"/>
               </a:lnSpc>
@@ -2218,7 +2231,7 @@
             </a:endParaRPr>
           </a:p>
           <a:p>
-            <a:pPr lvl="2" marL="648000" indent="-215640">
+            <a:pPr lvl="2" marL="648000" indent="-215280">
               <a:lnSpc>
                 <a:spcPct val="100000"/>
               </a:lnSpc>
@@ -2264,7 +2277,7 @@
             </a:endParaRPr>
           </a:p>
           <a:p>
-            <a:pPr lvl="4" marL="1080000" indent="-215640">
+            <a:pPr lvl="4" marL="1080000" indent="-215280">
               <a:lnSpc>
                 <a:spcPct val="100000"/>
               </a:lnSpc>
@@ -2300,7 +2313,7 @@
             </a:endParaRPr>
           </a:p>
           <a:p>
-            <a:pPr lvl="4" marL="1080000" indent="-215640">
+            <a:pPr lvl="4" marL="1080000" indent="-215280">
               <a:lnSpc>
                 <a:spcPct val="100000"/>
               </a:lnSpc>
@@ -2368,7 +2381,7 @@
             </a:endParaRPr>
           </a:p>
           <a:p>
-            <a:pPr lvl="4" marL="1080000" indent="-215640">
+            <a:pPr lvl="4" marL="1080000" indent="-215280">
               <a:lnSpc>
                 <a:spcPct val="100000"/>
               </a:lnSpc>
@@ -2404,7 +2417,7 @@
             </a:endParaRPr>
           </a:p>
           <a:p>
-            <a:pPr lvl="4" marL="1080000" indent="-215640">
+            <a:pPr lvl="4" marL="1080000" indent="-215280">
               <a:lnSpc>
                 <a:spcPct val="100000"/>
               </a:lnSpc>
@@ -2452,7 +2465,7 @@
             </a:endParaRPr>
           </a:p>
           <a:p>
-            <a:pPr lvl="2" marL="648000" indent="-215640">
+            <a:pPr lvl="2" marL="648000" indent="-215280">
               <a:lnSpc>
                 <a:spcPct val="100000"/>
               </a:lnSpc>
@@ -2571,7 +2584,7 @@
         <p:spPr>
           <a:xfrm>
             <a:off x="343080" y="125640"/>
-            <a:ext cx="1159920" cy="1159920"/>
+            <a:ext cx="1159560" cy="1159560"/>
           </a:xfrm>
           <a:prstGeom prst="rect">
             <a:avLst/>
@@ -2590,7 +2603,7 @@
         <p:spPr>
           <a:xfrm>
             <a:off x="1503360" y="382680"/>
-            <a:ext cx="5859720" cy="638640"/>
+            <a:ext cx="5859360" cy="638280"/>
           </a:xfrm>
           <a:prstGeom prst="rect">
             <a:avLst/>
@@ -2669,7 +2682,7 @@
         <p:spPr>
           <a:xfrm>
             <a:off x="182880" y="1541160"/>
-            <a:ext cx="12008880" cy="1309680"/>
+            <a:ext cx="12008520" cy="1309320"/>
           </a:xfrm>
           <a:prstGeom prst="rect">
             <a:avLst/>
@@ -2688,7 +2701,7 @@
         <p:txBody>
           <a:bodyPr lIns="90000" rIns="90000" tIns="45000" bIns="45000"/>
           <a:p>
-            <a:pPr marL="343080" indent="-342360">
+            <a:pPr marL="343080" indent="-342000">
               <a:lnSpc>
                 <a:spcPct val="100000"/>
               </a:lnSpc>
@@ -2784,7 +2797,7 @@
             </a:endParaRPr>
           </a:p>
           <a:p>
-            <a:pPr marL="343080" indent="-342360">
+            <a:pPr marL="343080" indent="-342000">
               <a:lnSpc>
                 <a:spcPct val="100000"/>
               </a:lnSpc>
@@ -2878,7 +2891,7 @@
         <p:spPr>
           <a:xfrm>
             <a:off x="3328200" y="4831920"/>
-            <a:ext cx="508680" cy="379800"/>
+            <a:ext cx="508320" cy="379440"/>
           </a:xfrm>
           <a:prstGeom prst="rightArrow">
             <a:avLst>
@@ -2912,7 +2925,7 @@
         <p:spPr>
           <a:xfrm>
             <a:off x="438480" y="2926080"/>
-            <a:ext cx="2891160" cy="3276720"/>
+            <a:ext cx="2890800" cy="3276360"/>
           </a:xfrm>
           <a:prstGeom prst="roundRect">
             <a:avLst>
@@ -2943,7 +2956,7 @@
         <p:spPr>
           <a:xfrm>
             <a:off x="9199080" y="4490280"/>
-            <a:ext cx="508680" cy="379800"/>
+            <a:ext cx="508320" cy="379440"/>
           </a:xfrm>
           <a:prstGeom prst="rightArrow">
             <a:avLst>
@@ -2977,7 +2990,7 @@
         <p:spPr>
           <a:xfrm>
             <a:off x="6309360" y="3017520"/>
-            <a:ext cx="2891160" cy="3276720"/>
+            <a:ext cx="2890800" cy="3276360"/>
           </a:xfrm>
           <a:prstGeom prst="roundRect">
             <a:avLst>
@@ -3008,7 +3021,7 @@
         <p:spPr>
           <a:xfrm>
             <a:off x="3840480" y="3657600"/>
-            <a:ext cx="1761480" cy="1996560"/>
+            <a:ext cx="1761120" cy="1996200"/>
           </a:xfrm>
           <a:prstGeom prst="roundRect">
             <a:avLst>
@@ -3038,8 +3051,8 @@
         </p:nvSpPr>
         <p:spPr>
           <a:xfrm rot="10800000">
-            <a:off x="4347720" y="4860720"/>
-            <a:ext cx="508680" cy="379800"/>
+            <a:off x="4856400" y="5240520"/>
+            <a:ext cx="508320" cy="379440"/>
           </a:xfrm>
           <a:prstGeom prst="rightArrow">
             <a:avLst>
@@ -3073,7 +3086,7 @@
         <p:spPr>
           <a:xfrm>
             <a:off x="9723600" y="3657600"/>
-            <a:ext cx="1761480" cy="1996560"/>
+            <a:ext cx="1761120" cy="1996200"/>
           </a:xfrm>
           <a:prstGeom prst="roundRect">
             <a:avLst>
@@ -3108,7 +3121,7 @@
         <p:spPr>
           <a:xfrm>
             <a:off x="4077720" y="4129920"/>
-            <a:ext cx="1416600" cy="1416600"/>
+            <a:ext cx="1416240" cy="1416240"/>
           </a:xfrm>
           <a:prstGeom prst="rect">
             <a:avLst/>
@@ -3131,7 +3144,7 @@
         <p:spPr>
           <a:xfrm>
             <a:off x="731520" y="4389120"/>
-            <a:ext cx="1096920" cy="959760"/>
+            <a:ext cx="1096560" cy="959400"/>
           </a:xfrm>
           <a:prstGeom prst="rect">
             <a:avLst/>
@@ -3154,7 +3167,7 @@
         <p:spPr>
           <a:xfrm>
             <a:off x="1033920" y="2931840"/>
-            <a:ext cx="1526040" cy="816840"/>
+            <a:ext cx="1525680" cy="816480"/>
           </a:xfrm>
           <a:prstGeom prst="rect">
             <a:avLst/>
@@ -3177,7 +3190,7 @@
         <p:spPr>
           <a:xfrm>
             <a:off x="6977520" y="3017520"/>
-            <a:ext cx="1526040" cy="816840"/>
+            <a:ext cx="1525680" cy="816480"/>
           </a:xfrm>
           <a:prstGeom prst="rect">
             <a:avLst/>
@@ -3200,7 +3213,7 @@
         <p:spPr>
           <a:xfrm>
             <a:off x="1920240" y="4937760"/>
-            <a:ext cx="1096920" cy="1096920"/>
+            <a:ext cx="1096560" cy="1096560"/>
           </a:xfrm>
           <a:prstGeom prst="rect">
             <a:avLst/>
@@ -3223,7 +3236,7 @@
         <p:spPr>
           <a:xfrm>
             <a:off x="1980720" y="3749040"/>
-            <a:ext cx="1127880" cy="1127880"/>
+            <a:ext cx="1127520" cy="1127520"/>
           </a:xfrm>
           <a:prstGeom prst="rect">
             <a:avLst/>
@@ -3246,7 +3259,7 @@
         <p:spPr>
           <a:xfrm>
             <a:off x="9921600" y="4165920"/>
-            <a:ext cx="1416600" cy="1416600"/>
+            <a:ext cx="1416240" cy="1416240"/>
           </a:xfrm>
           <a:prstGeom prst="rect">
             <a:avLst/>
@@ -3269,7 +3282,7 @@
         <p:spPr>
           <a:xfrm>
             <a:off x="6575400" y="4389120"/>
-            <a:ext cx="1096920" cy="959760"/>
+            <a:ext cx="1096560" cy="959400"/>
           </a:xfrm>
           <a:prstGeom prst="rect">
             <a:avLst/>
@@ -3292,7 +3305,7 @@
         <p:spPr>
           <a:xfrm>
             <a:off x="7764120" y="4937760"/>
-            <a:ext cx="1096920" cy="1096920"/>
+            <a:ext cx="1096560" cy="1096560"/>
           </a:xfrm>
           <a:prstGeom prst="rect">
             <a:avLst/>
@@ -3315,7 +3328,7 @@
         <p:spPr>
           <a:xfrm>
             <a:off x="7824600" y="3749040"/>
-            <a:ext cx="1127880" cy="1127880"/>
+            <a:ext cx="1127520" cy="1127520"/>
           </a:xfrm>
           <a:prstGeom prst="rect">
             <a:avLst/>
@@ -3338,7 +3351,7 @@
         <p:spPr>
           <a:xfrm>
             <a:off x="4389120" y="3674160"/>
-            <a:ext cx="674640" cy="674640"/>
+            <a:ext cx="674280" cy="674280"/>
           </a:xfrm>
           <a:prstGeom prst="rect">
             <a:avLst/>
@@ -3361,7 +3374,7 @@
         <p:spPr>
           <a:xfrm>
             <a:off x="10297800" y="3638520"/>
-            <a:ext cx="674640" cy="674640"/>
+            <a:ext cx="674280" cy="674280"/>
           </a:xfrm>
           <a:prstGeom prst="rect">
             <a:avLst/>
@@ -3380,7 +3393,7 @@
         <p:spPr>
           <a:xfrm>
             <a:off x="3474720" y="2926080"/>
-            <a:ext cx="1279800" cy="548280"/>
+            <a:ext cx="1279440" cy="547920"/>
           </a:xfrm>
           <a:prstGeom prst="wedgeRoundRectCallout">
             <a:avLst>
@@ -3437,7 +3450,7 @@
         <p:spPr>
           <a:xfrm>
             <a:off x="9326880" y="3017520"/>
-            <a:ext cx="1279800" cy="548280"/>
+            <a:ext cx="1279440" cy="547920"/>
           </a:xfrm>
           <a:prstGeom prst="wedgeRoundRectCallout">
             <a:avLst>
@@ -3547,7 +3560,7 @@
         <p:spPr>
           <a:xfrm>
             <a:off x="343080" y="125640"/>
-            <a:ext cx="1159920" cy="1159920"/>
+            <a:ext cx="1159560" cy="1159560"/>
           </a:xfrm>
           <a:prstGeom prst="rect">
             <a:avLst/>
@@ -3566,7 +3579,7 @@
         <p:spPr>
           <a:xfrm>
             <a:off x="1527120" y="382680"/>
-            <a:ext cx="1442520" cy="638640"/>
+            <a:ext cx="1442160" cy="638280"/>
           </a:xfrm>
           <a:prstGeom prst="rect">
             <a:avLst/>
@@ -3615,7 +3628,7 @@
         <p:spPr>
           <a:xfrm>
             <a:off x="494640" y="1541160"/>
-            <a:ext cx="11666520" cy="5039640"/>
+            <a:ext cx="11666160" cy="5039280"/>
           </a:xfrm>
           <a:prstGeom prst="rect">
             <a:avLst/>
@@ -3634,7 +3647,7 @@
         <p:txBody>
           <a:bodyPr lIns="90000" rIns="90000" tIns="45000" bIns="45000"/>
           <a:p>
-            <a:pPr marL="343080" indent="-342360">
+            <a:pPr marL="343080" indent="-342000">
               <a:lnSpc>
                 <a:spcPct val="100000"/>
               </a:lnSpc>
@@ -3719,7 +3732,7 @@
             </a:endParaRPr>
           </a:p>
           <a:p>
-            <a:pPr lvl="2" marL="648000" indent="-215640">
+            <a:pPr lvl="2" marL="648000" indent="-215280">
               <a:lnSpc>
                 <a:spcPct val="100000"/>
               </a:lnSpc>
@@ -3745,7 +3758,7 @@
             </a:endParaRPr>
           </a:p>
           <a:p>
-            <a:pPr lvl="2" marL="648000" indent="-215640">
+            <a:pPr lvl="2" marL="648000" indent="-215280">
               <a:lnSpc>
                 <a:spcPct val="100000"/>
               </a:lnSpc>
@@ -3771,7 +3784,7 @@
             </a:endParaRPr>
           </a:p>
           <a:p>
-            <a:pPr lvl="2" marL="648000" indent="-215640">
+            <a:pPr lvl="2" marL="648000" indent="-215280">
               <a:lnSpc>
                 <a:spcPct val="100000"/>
               </a:lnSpc>
@@ -3797,7 +3810,7 @@
             </a:endParaRPr>
           </a:p>
           <a:p>
-            <a:pPr lvl="2" marL="648000" indent="-215640">
+            <a:pPr lvl="2" marL="648000" indent="-215280">
               <a:lnSpc>
                 <a:spcPct val="100000"/>
               </a:lnSpc>
@@ -3823,7 +3836,7 @@
             </a:endParaRPr>
           </a:p>
           <a:p>
-            <a:pPr lvl="2" marL="648000" indent="-215640">
+            <a:pPr lvl="2" marL="648000" indent="-215280">
               <a:lnSpc>
                 <a:spcPct val="100000"/>
               </a:lnSpc>
@@ -3859,7 +3872,7 @@
             </a:endParaRPr>
           </a:p>
           <a:p>
-            <a:pPr marL="343080" indent="-342360">
+            <a:pPr marL="343080" indent="-342000">
               <a:lnSpc>
                 <a:spcPct val="100000"/>
               </a:lnSpc>
@@ -3944,7 +3957,7 @@
             </a:endParaRPr>
           </a:p>
           <a:p>
-            <a:pPr lvl="2" marL="648000" indent="-215640">
+            <a:pPr lvl="2" marL="648000" indent="-215280">
               <a:lnSpc>
                 <a:spcPct val="100000"/>
               </a:lnSpc>
@@ -3982,7 +3995,7 @@
             </a:endParaRPr>
           </a:p>
           <a:p>
-            <a:pPr lvl="2" marL="648000" indent="-215640">
+            <a:pPr lvl="2" marL="648000" indent="-215280">
               <a:lnSpc>
                 <a:spcPct val="100000"/>
               </a:lnSpc>
@@ -4001,14 +4014,14 @@
                 <a:latin typeface="맑은 고딕"/>
                 <a:ea typeface="DejaVu Sans"/>
               </a:rPr>
-              <a:t>[1]$ ros2 run usb_camera usb_camera_node</a:t>
+              <a:t>[1]$ cd ~/colcon_ws &amp;&amp; colcon build –symlink-install</a:t>
             </a:r>
             <a:endParaRPr b="0" lang="en-US" sz="2000" spc="-1" strike="noStrike">
               <a:latin typeface="Arial"/>
             </a:endParaRPr>
           </a:p>
           <a:p>
-            <a:pPr lvl="2" marL="648000" indent="-215640">
+            <a:pPr lvl="2" marL="648000" indent="-215280">
               <a:lnSpc>
                 <a:spcPct val="100000"/>
               </a:lnSpc>
@@ -4027,14 +4040,14 @@
                 <a:latin typeface="맑은 고딕"/>
                 <a:ea typeface="DejaVu Sans"/>
               </a:rPr>
-              <a:t>[2]$ ros2 run rqt_image_view rqt_image_view</a:t>
+              <a:t>[1]$ ros2 run usb_camera usb_camera_node</a:t>
             </a:r>
             <a:endParaRPr b="0" lang="en-US" sz="2000" spc="-1" strike="noStrike">
               <a:latin typeface="Arial"/>
             </a:endParaRPr>
           </a:p>
           <a:p>
-            <a:pPr lvl="2" marL="648000" indent="-215640">
+            <a:pPr lvl="2" marL="648000" indent="-215280">
               <a:lnSpc>
                 <a:spcPct val="100000"/>
               </a:lnSpc>
@@ -4053,24 +4066,14 @@
                 <a:latin typeface="맑은 고딕"/>
                 <a:ea typeface="DejaVu Sans"/>
               </a:rPr>
-              <a:t>[3]$ ros2 run rviz2 rviz2</a:t>
+              <a:t>[2]$ ros2 run rqt_image_view rqt_image_view</a:t>
             </a:r>
             <a:endParaRPr b="0" lang="en-US" sz="2000" spc="-1" strike="noStrike">
               <a:latin typeface="Arial"/>
             </a:endParaRPr>
           </a:p>
           <a:p>
-            <a:pPr>
-              <a:lnSpc>
-                <a:spcPct val="100000"/>
-              </a:lnSpc>
-            </a:pPr>
-            <a:endParaRPr b="0" lang="en-US" sz="2000" spc="-1" strike="noStrike">
-              <a:latin typeface="Arial"/>
-            </a:endParaRPr>
-          </a:p>
-          <a:p>
-            <a:pPr lvl="2" marL="648000" indent="-215640">
+            <a:pPr lvl="2" marL="648000" indent="-215280">
               <a:lnSpc>
                 <a:spcPct val="100000"/>
               </a:lnSpc>
@@ -4089,6 +4092,42 @@
                 <a:latin typeface="맑은 고딕"/>
                 <a:ea typeface="DejaVu Sans"/>
               </a:rPr>
+              <a:t>[3]$ ros2 run rviz2 rviz2</a:t>
+            </a:r>
+            <a:endParaRPr b="0" lang="en-US" sz="2000" spc="-1" strike="noStrike">
+              <a:latin typeface="Arial"/>
+            </a:endParaRPr>
+          </a:p>
+          <a:p>
+            <a:pPr>
+              <a:lnSpc>
+                <a:spcPct val="100000"/>
+              </a:lnSpc>
+            </a:pPr>
+            <a:endParaRPr b="0" lang="en-US" sz="2000" spc="-1" strike="noStrike">
+              <a:latin typeface="Arial"/>
+            </a:endParaRPr>
+          </a:p>
+          <a:p>
+            <a:pPr lvl="2" marL="648000" indent="-215280">
+              <a:lnSpc>
+                <a:spcPct val="100000"/>
+              </a:lnSpc>
+              <a:buClr>
+                <a:srgbClr val="000000"/>
+              </a:buClr>
+              <a:buSzPct val="45000"/>
+              <a:buFont typeface="Wingdings" charset="2"/>
+              <a:buChar char=""/>
+            </a:pPr>
+            <a:r>
+              <a:rPr b="0" lang="en-US" sz="2000" spc="-1" strike="noStrike">
+                <a:solidFill>
+                  <a:srgbClr val="000000"/>
+                </a:solidFill>
+                <a:latin typeface="맑은 고딕"/>
+                <a:ea typeface="DejaVu Sans"/>
+              </a:rPr>
               <a:t>rqt tools </a:t>
             </a:r>
             <a:r>
@@ -4106,7 +4145,7 @@
             </a:endParaRPr>
           </a:p>
           <a:p>
-            <a:pPr lvl="2" marL="648000" indent="-215640">
+            <a:pPr lvl="2" marL="648000" indent="-215280">
               <a:lnSpc>
                 <a:spcPct val="100000"/>
               </a:lnSpc>
